--- a/118/NMRG/draft-netana-opsawg-nmrg-network-anomaly-semantics-01.pptx
+++ b/118/NMRG/draft-netana-opsawg-nmrg-network-anomaly-semantics-01.pptx
@@ -5,7 +5,7 @@
     <p:sldMasterId id="2147483648" r:id="rId1"/>
   </p:sldMasterIdLst>
   <p:notesMasterIdLst>
-    <p:notesMasterId r:id="rId14"/>
+    <p:notesMasterId r:id="rId15"/>
   </p:notesMasterIdLst>
   <p:sldIdLst>
     <p:sldId id="1041" r:id="rId2"/>
@@ -14,12 +14,13 @@
     <p:sldId id="2145706225" r:id="rId5"/>
     <p:sldId id="2145706226" r:id="rId6"/>
     <p:sldId id="2145706234" r:id="rId7"/>
-    <p:sldId id="2145706227" r:id="rId8"/>
-    <p:sldId id="2145706232" r:id="rId9"/>
-    <p:sldId id="2145706233" r:id="rId10"/>
-    <p:sldId id="26425" r:id="rId11"/>
-    <p:sldId id="2145706235" r:id="rId12"/>
-    <p:sldId id="26415" r:id="rId13"/>
+    <p:sldId id="2145706236" r:id="rId8"/>
+    <p:sldId id="2145706227" r:id="rId9"/>
+    <p:sldId id="2145706232" r:id="rId10"/>
+    <p:sldId id="2145706233" r:id="rId11"/>
+    <p:sldId id="26425" r:id="rId12"/>
+    <p:sldId id="2145706235" r:id="rId13"/>
+    <p:sldId id="26415" r:id="rId14"/>
   </p:sldIdLst>
   <p:sldSz cx="12192000" cy="6858000"/>
   <p:notesSz cx="6858000" cy="9144000"/>
@@ -129,7 +130,7 @@
 <file path=ppt/revisionInfo.xml><?xml version="1.0" encoding="utf-8"?>
 <p1510:revInfo xmlns:a="http://schemas.openxmlformats.org/drawingml/2006/main" xmlns:r="http://schemas.openxmlformats.org/officeDocument/2006/relationships" xmlns:p1510="http://schemas.microsoft.com/office/powerpoint/2015/10/main">
   <p1510:revLst>
-    <p1510:client id="{FF1E8771-B1E8-4CEC-B725-4345F27D3194}" v="30" dt="2023-10-29T08:50:15.806"/>
+    <p1510:client id="{FF1E8771-B1E8-4CEC-B725-4345F27D3194}" v="33" dt="2023-10-29T12:34:04.671"/>
   </p1510:revLst>
 </p1510:revInfo>
 </file>
@@ -1595,6 +1596,482 @@
       </pc:sldMasterChg>
     </pc:docChg>
   </pc:docChgLst>
+  <pc:docChgLst>
+    <pc:chgData name="Thomas Graf" userId="487bc3e3-9ce7-4cdd-b7b4-8899ea88d289" providerId="ADAL" clId="{FF1E8771-B1E8-4CEC-B725-4345F27D3194}"/>
+    <pc:docChg chg="undo custSel addSld delSld modSld">
+      <pc:chgData name="Thomas Graf" userId="487bc3e3-9ce7-4cdd-b7b4-8899ea88d289" providerId="ADAL" clId="{FF1E8771-B1E8-4CEC-B725-4345F27D3194}" dt="2023-10-29T13:01:11.413" v="1652" actId="108"/>
+      <pc:docMkLst>
+        <pc:docMk/>
+      </pc:docMkLst>
+      <pc:sldChg chg="modSp mod">
+        <pc:chgData name="Thomas Graf" userId="487bc3e3-9ce7-4cdd-b7b4-8899ea88d289" providerId="ADAL" clId="{FF1E8771-B1E8-4CEC-B725-4345F27D3194}" dt="2023-10-29T12:54:30.834" v="1488" actId="113"/>
+        <pc:sldMkLst>
+          <pc:docMk/>
+          <pc:sldMk cId="2578889968" sldId="26415"/>
+        </pc:sldMkLst>
+        <pc:spChg chg="mod">
+          <ac:chgData name="Thomas Graf" userId="487bc3e3-9ce7-4cdd-b7b4-8899ea88d289" providerId="ADAL" clId="{FF1E8771-B1E8-4CEC-B725-4345F27D3194}" dt="2023-10-29T12:54:30.834" v="1488" actId="113"/>
+          <ac:spMkLst>
+            <pc:docMk/>
+            <pc:sldMk cId="2578889968" sldId="26415"/>
+            <ac:spMk id="3" creationId="{29C0DFD4-432D-4B0C-93DF-790441DCF5B9}"/>
+          </ac:spMkLst>
+        </pc:spChg>
+        <pc:spChg chg="mod">
+          <ac:chgData name="Thomas Graf" userId="487bc3e3-9ce7-4cdd-b7b4-8899ea88d289" providerId="ADAL" clId="{FF1E8771-B1E8-4CEC-B725-4345F27D3194}" dt="2023-10-29T09:03:13.521" v="2" actId="14100"/>
+          <ac:spMkLst>
+            <pc:docMk/>
+            <pc:sldMk cId="2578889968" sldId="26415"/>
+            <ac:spMk id="7" creationId="{BF6DCC5D-2508-4A9B-B734-C8C5147F93FB}"/>
+          </ac:spMkLst>
+        </pc:spChg>
+      </pc:sldChg>
+      <pc:sldChg chg="modSp mod">
+        <pc:chgData name="Thomas Graf" userId="487bc3e3-9ce7-4cdd-b7b4-8899ea88d289" providerId="ADAL" clId="{FF1E8771-B1E8-4CEC-B725-4345F27D3194}" dt="2023-10-29T12:48:36.819" v="1215" actId="14100"/>
+        <pc:sldMkLst>
+          <pc:docMk/>
+          <pc:sldMk cId="320697580" sldId="26425"/>
+        </pc:sldMkLst>
+        <pc:spChg chg="mod">
+          <ac:chgData name="Thomas Graf" userId="487bc3e3-9ce7-4cdd-b7b4-8899ea88d289" providerId="ADAL" clId="{FF1E8771-B1E8-4CEC-B725-4345F27D3194}" dt="2023-10-29T12:48:03.720" v="1206" actId="255"/>
+          <ac:spMkLst>
+            <pc:docMk/>
+            <pc:sldMk cId="320697580" sldId="26425"/>
+            <ac:spMk id="3" creationId="{29C0DFD4-432D-4B0C-93DF-790441DCF5B9}"/>
+          </ac:spMkLst>
+        </pc:spChg>
+        <pc:spChg chg="mod">
+          <ac:chgData name="Thomas Graf" userId="487bc3e3-9ce7-4cdd-b7b4-8899ea88d289" providerId="ADAL" clId="{FF1E8771-B1E8-4CEC-B725-4345F27D3194}" dt="2023-10-29T12:27:42.853" v="433" actId="20577"/>
+          <ac:spMkLst>
+            <pc:docMk/>
+            <pc:sldMk cId="320697580" sldId="26425"/>
+            <ac:spMk id="6" creationId="{ABB61075-2877-B162-7D8F-97EC17B8DF39}"/>
+          </ac:spMkLst>
+        </pc:spChg>
+        <pc:cxnChg chg="mod">
+          <ac:chgData name="Thomas Graf" userId="487bc3e3-9ce7-4cdd-b7b4-8899ea88d289" providerId="ADAL" clId="{FF1E8771-B1E8-4CEC-B725-4345F27D3194}" dt="2023-10-29T12:48:25.968" v="1211" actId="14100"/>
+          <ac:cxnSpMkLst>
+            <pc:docMk/>
+            <pc:sldMk cId="320697580" sldId="26425"/>
+            <ac:cxnSpMk id="13" creationId="{ABDEEB90-F9DE-4579-466A-4391823DABF7}"/>
+          </ac:cxnSpMkLst>
+        </pc:cxnChg>
+        <pc:cxnChg chg="mod">
+          <ac:chgData name="Thomas Graf" userId="487bc3e3-9ce7-4cdd-b7b4-8899ea88d289" providerId="ADAL" clId="{FF1E8771-B1E8-4CEC-B725-4345F27D3194}" dt="2023-10-29T12:48:33.767" v="1214" actId="14100"/>
+          <ac:cxnSpMkLst>
+            <pc:docMk/>
+            <pc:sldMk cId="320697580" sldId="26425"/>
+            <ac:cxnSpMk id="14" creationId="{971CE727-7DCB-9E98-7B9C-B1ACC28EC9FF}"/>
+          </ac:cxnSpMkLst>
+        </pc:cxnChg>
+        <pc:cxnChg chg="mod">
+          <ac:chgData name="Thomas Graf" userId="487bc3e3-9ce7-4cdd-b7b4-8899ea88d289" providerId="ADAL" clId="{FF1E8771-B1E8-4CEC-B725-4345F27D3194}" dt="2023-10-29T12:39:36.004" v="1121" actId="14100"/>
+          <ac:cxnSpMkLst>
+            <pc:docMk/>
+            <pc:sldMk cId="320697580" sldId="26425"/>
+            <ac:cxnSpMk id="22" creationId="{5EE7A184-4440-4663-A713-45C43FB41FBD}"/>
+          </ac:cxnSpMkLst>
+        </pc:cxnChg>
+        <pc:cxnChg chg="mod">
+          <ac:chgData name="Thomas Graf" userId="487bc3e3-9ce7-4cdd-b7b4-8899ea88d289" providerId="ADAL" clId="{FF1E8771-B1E8-4CEC-B725-4345F27D3194}" dt="2023-10-29T12:48:36.819" v="1215" actId="14100"/>
+          <ac:cxnSpMkLst>
+            <pc:docMk/>
+            <pc:sldMk cId="320697580" sldId="26425"/>
+            <ac:cxnSpMk id="23" creationId="{D8988D8C-34C7-42B3-BD73-F0A5B399F9DF}"/>
+          </ac:cxnSpMkLst>
+        </pc:cxnChg>
+      </pc:sldChg>
+      <pc:sldChg chg="modSp mod">
+        <pc:chgData name="Thomas Graf" userId="487bc3e3-9ce7-4cdd-b7b4-8899ea88d289" providerId="ADAL" clId="{FF1E8771-B1E8-4CEC-B725-4345F27D3194}" dt="2023-10-29T12:40:47.682" v="1142" actId="20577"/>
+        <pc:sldMkLst>
+          <pc:docMk/>
+          <pc:sldMk cId="3241116723" sldId="2145706200"/>
+        </pc:sldMkLst>
+        <pc:spChg chg="mod">
+          <ac:chgData name="Thomas Graf" userId="487bc3e3-9ce7-4cdd-b7b4-8899ea88d289" providerId="ADAL" clId="{FF1E8771-B1E8-4CEC-B725-4345F27D3194}" dt="2023-10-29T12:40:47.682" v="1142" actId="20577"/>
+          <ac:spMkLst>
+            <pc:docMk/>
+            <pc:sldMk cId="3241116723" sldId="2145706200"/>
+            <ac:spMk id="13" creationId="{509802C0-BFFB-9B0F-A529-E60CDD518439}"/>
+          </ac:spMkLst>
+        </pc:spChg>
+      </pc:sldChg>
+      <pc:sldChg chg="modSp mod">
+        <pc:chgData name="Thomas Graf" userId="487bc3e3-9ce7-4cdd-b7b4-8899ea88d289" providerId="ADAL" clId="{FF1E8771-B1E8-4CEC-B725-4345F27D3194}" dt="2023-10-29T12:40:44.232" v="1139" actId="20577"/>
+        <pc:sldMkLst>
+          <pc:docMk/>
+          <pc:sldMk cId="4069880896" sldId="2145706223"/>
+        </pc:sldMkLst>
+        <pc:spChg chg="mod">
+          <ac:chgData name="Thomas Graf" userId="487bc3e3-9ce7-4cdd-b7b4-8899ea88d289" providerId="ADAL" clId="{FF1E8771-B1E8-4CEC-B725-4345F27D3194}" dt="2023-10-29T12:40:44.232" v="1139" actId="20577"/>
+          <ac:spMkLst>
+            <pc:docMk/>
+            <pc:sldMk cId="4069880896" sldId="2145706223"/>
+            <ac:spMk id="11" creationId="{40A04100-F076-DAB6-1085-5E0EF7172DAB}"/>
+          </ac:spMkLst>
+        </pc:spChg>
+      </pc:sldChg>
+      <pc:sldChg chg="modSp mod">
+        <pc:chgData name="Thomas Graf" userId="487bc3e3-9ce7-4cdd-b7b4-8899ea88d289" providerId="ADAL" clId="{FF1E8771-B1E8-4CEC-B725-4345F27D3194}" dt="2023-10-29T12:23:33.385" v="123" actId="20577"/>
+        <pc:sldMkLst>
+          <pc:docMk/>
+          <pc:sldMk cId="1081037514" sldId="2145706225"/>
+        </pc:sldMkLst>
+        <pc:spChg chg="mod">
+          <ac:chgData name="Thomas Graf" userId="487bc3e3-9ce7-4cdd-b7b4-8899ea88d289" providerId="ADAL" clId="{FF1E8771-B1E8-4CEC-B725-4345F27D3194}" dt="2023-10-29T12:23:33.385" v="123" actId="20577"/>
+          <ac:spMkLst>
+            <pc:docMk/>
+            <pc:sldMk cId="1081037514" sldId="2145706225"/>
+            <ac:spMk id="48" creationId="{A48B1DB7-BCDC-5D18-F56D-8A1447F1B8BA}"/>
+          </ac:spMkLst>
+        </pc:spChg>
+      </pc:sldChg>
+      <pc:sldChg chg="modSp mod">
+        <pc:chgData name="Thomas Graf" userId="487bc3e3-9ce7-4cdd-b7b4-8899ea88d289" providerId="ADAL" clId="{FF1E8771-B1E8-4CEC-B725-4345F27D3194}" dt="2023-10-29T12:45:18.646" v="1192" actId="14100"/>
+        <pc:sldMkLst>
+          <pc:docMk/>
+          <pc:sldMk cId="3384652948" sldId="2145706226"/>
+        </pc:sldMkLst>
+        <pc:spChg chg="mod">
+          <ac:chgData name="Thomas Graf" userId="487bc3e3-9ce7-4cdd-b7b4-8899ea88d289" providerId="ADAL" clId="{FF1E8771-B1E8-4CEC-B725-4345F27D3194}" dt="2023-10-29T12:45:18.646" v="1192" actId="14100"/>
+          <ac:spMkLst>
+            <pc:docMk/>
+            <pc:sldMk cId="3384652948" sldId="2145706226"/>
+            <ac:spMk id="2" creationId="{0E0DAD8A-94CD-EADA-C24A-D442928BA111}"/>
+          </ac:spMkLst>
+        </pc:spChg>
+        <pc:spChg chg="mod">
+          <ac:chgData name="Thomas Graf" userId="487bc3e3-9ce7-4cdd-b7b4-8899ea88d289" providerId="ADAL" clId="{FF1E8771-B1E8-4CEC-B725-4345F27D3194}" dt="2023-10-29T12:43:48.817" v="1180" actId="14100"/>
+          <ac:spMkLst>
+            <pc:docMk/>
+            <pc:sldMk cId="3384652948" sldId="2145706226"/>
+            <ac:spMk id="3" creationId="{01913334-AF3D-1C65-5BD7-83A59BC04A95}"/>
+          </ac:spMkLst>
+        </pc:spChg>
+        <pc:spChg chg="mod">
+          <ac:chgData name="Thomas Graf" userId="487bc3e3-9ce7-4cdd-b7b4-8899ea88d289" providerId="ADAL" clId="{FF1E8771-B1E8-4CEC-B725-4345F27D3194}" dt="2023-10-29T12:44:53.028" v="1189" actId="255"/>
+          <ac:spMkLst>
+            <pc:docMk/>
+            <pc:sldMk cId="3384652948" sldId="2145706226"/>
+            <ac:spMk id="4" creationId="{24F2E4A1-9E2D-0EF1-0811-4E46B062701C}"/>
+          </ac:spMkLst>
+        </pc:spChg>
+        <pc:spChg chg="mod">
+          <ac:chgData name="Thomas Graf" userId="487bc3e3-9ce7-4cdd-b7b4-8899ea88d289" providerId="ADAL" clId="{FF1E8771-B1E8-4CEC-B725-4345F27D3194}" dt="2023-10-29T12:24:12.613" v="182" actId="20577"/>
+          <ac:spMkLst>
+            <pc:docMk/>
+            <pc:sldMk cId="3384652948" sldId="2145706226"/>
+            <ac:spMk id="16" creationId="{2D8B3AFB-4500-052D-4E96-82B4FC5CC5DF}"/>
+          </ac:spMkLst>
+        </pc:spChg>
+      </pc:sldChg>
+      <pc:sldChg chg="modSp mod">
+        <pc:chgData name="Thomas Graf" userId="487bc3e3-9ce7-4cdd-b7b4-8899ea88d289" providerId="ADAL" clId="{FF1E8771-B1E8-4CEC-B725-4345F27D3194}" dt="2023-10-29T12:47:02.875" v="1201" actId="1076"/>
+        <pc:sldMkLst>
+          <pc:docMk/>
+          <pc:sldMk cId="4235116615" sldId="2145706227"/>
+        </pc:sldMkLst>
+        <pc:spChg chg="mod">
+          <ac:chgData name="Thomas Graf" userId="487bc3e3-9ce7-4cdd-b7b4-8899ea88d289" providerId="ADAL" clId="{FF1E8771-B1E8-4CEC-B725-4345F27D3194}" dt="2023-10-29T12:46:33.162" v="1200" actId="14100"/>
+          <ac:spMkLst>
+            <pc:docMk/>
+            <pc:sldMk cId="4235116615" sldId="2145706227"/>
+            <ac:spMk id="5" creationId="{0194B37B-813A-99FE-7B78-4D87D8C30D44}"/>
+          </ac:spMkLst>
+        </pc:spChg>
+        <pc:spChg chg="mod">
+          <ac:chgData name="Thomas Graf" userId="487bc3e3-9ce7-4cdd-b7b4-8899ea88d289" providerId="ADAL" clId="{FF1E8771-B1E8-4CEC-B725-4345F27D3194}" dt="2023-10-29T12:47:02.875" v="1201" actId="1076"/>
+          <ac:spMkLst>
+            <pc:docMk/>
+            <pc:sldMk cId="4235116615" sldId="2145706227"/>
+            <ac:spMk id="18" creationId="{B283EDB4-CFDF-D6B9-8AF9-9CFA563360E3}"/>
+          </ac:spMkLst>
+        </pc:spChg>
+        <pc:spChg chg="mod">
+          <ac:chgData name="Thomas Graf" userId="487bc3e3-9ce7-4cdd-b7b4-8899ea88d289" providerId="ADAL" clId="{FF1E8771-B1E8-4CEC-B725-4345F27D3194}" dt="2023-10-29T12:26:20.255" v="326" actId="20577"/>
+          <ac:spMkLst>
+            <pc:docMk/>
+            <pc:sldMk cId="4235116615" sldId="2145706227"/>
+            <ac:spMk id="19" creationId="{56D79134-17A9-8BC8-B7D0-97BCFFB9A6B2}"/>
+          </ac:spMkLst>
+        </pc:spChg>
+      </pc:sldChg>
+      <pc:sldChg chg="modSp mod">
+        <pc:chgData name="Thomas Graf" userId="487bc3e3-9ce7-4cdd-b7b4-8899ea88d289" providerId="ADAL" clId="{FF1E8771-B1E8-4CEC-B725-4345F27D3194}" dt="2023-10-29T12:47:36.234" v="1204" actId="255"/>
+        <pc:sldMkLst>
+          <pc:docMk/>
+          <pc:sldMk cId="508096634" sldId="2145706232"/>
+        </pc:sldMkLst>
+        <pc:spChg chg="mod">
+          <ac:chgData name="Thomas Graf" userId="487bc3e3-9ce7-4cdd-b7b4-8899ea88d289" providerId="ADAL" clId="{FF1E8771-B1E8-4CEC-B725-4345F27D3194}" dt="2023-10-29T12:47:36.234" v="1204" actId="255"/>
+          <ac:spMkLst>
+            <pc:docMk/>
+            <pc:sldMk cId="508096634" sldId="2145706232"/>
+            <ac:spMk id="5" creationId="{0194B37B-813A-99FE-7B78-4D87D8C30D44}"/>
+          </ac:spMkLst>
+        </pc:spChg>
+        <pc:spChg chg="mod">
+          <ac:chgData name="Thomas Graf" userId="487bc3e3-9ce7-4cdd-b7b4-8899ea88d289" providerId="ADAL" clId="{FF1E8771-B1E8-4CEC-B725-4345F27D3194}" dt="2023-10-29T12:47:16.389" v="1202" actId="1076"/>
+          <ac:spMkLst>
+            <pc:docMk/>
+            <pc:sldMk cId="508096634" sldId="2145706232"/>
+            <ac:spMk id="18" creationId="{B283EDB4-CFDF-D6B9-8AF9-9CFA563360E3}"/>
+          </ac:spMkLst>
+        </pc:spChg>
+        <pc:spChg chg="mod">
+          <ac:chgData name="Thomas Graf" userId="487bc3e3-9ce7-4cdd-b7b4-8899ea88d289" providerId="ADAL" clId="{FF1E8771-B1E8-4CEC-B725-4345F27D3194}" dt="2023-10-29T12:26:59.167" v="370" actId="20577"/>
+          <ac:spMkLst>
+            <pc:docMk/>
+            <pc:sldMk cId="508096634" sldId="2145706232"/>
+            <ac:spMk id="19" creationId="{56D79134-17A9-8BC8-B7D0-97BCFFB9A6B2}"/>
+          </ac:spMkLst>
+        </pc:spChg>
+      </pc:sldChg>
+      <pc:sldChg chg="modSp mod">
+        <pc:chgData name="Thomas Graf" userId="487bc3e3-9ce7-4cdd-b7b4-8899ea88d289" providerId="ADAL" clId="{FF1E8771-B1E8-4CEC-B725-4345F27D3194}" dt="2023-10-29T12:47:55.471" v="1205" actId="255"/>
+        <pc:sldMkLst>
+          <pc:docMk/>
+          <pc:sldMk cId="1609255611" sldId="2145706233"/>
+        </pc:sldMkLst>
+        <pc:spChg chg="mod">
+          <ac:chgData name="Thomas Graf" userId="487bc3e3-9ce7-4cdd-b7b4-8899ea88d289" providerId="ADAL" clId="{FF1E8771-B1E8-4CEC-B725-4345F27D3194}" dt="2023-10-29T12:47:55.471" v="1205" actId="255"/>
+          <ac:spMkLst>
+            <pc:docMk/>
+            <pc:sldMk cId="1609255611" sldId="2145706233"/>
+            <ac:spMk id="5" creationId="{0194B37B-813A-99FE-7B78-4D87D8C30D44}"/>
+          </ac:spMkLst>
+        </pc:spChg>
+        <pc:spChg chg="mod">
+          <ac:chgData name="Thomas Graf" userId="487bc3e3-9ce7-4cdd-b7b4-8899ea88d289" providerId="ADAL" clId="{FF1E8771-B1E8-4CEC-B725-4345F27D3194}" dt="2023-10-29T12:27:15.888" v="405" actId="20577"/>
+          <ac:spMkLst>
+            <pc:docMk/>
+            <pc:sldMk cId="1609255611" sldId="2145706233"/>
+            <ac:spMk id="19" creationId="{56D79134-17A9-8BC8-B7D0-97BCFFB9A6B2}"/>
+          </ac:spMkLst>
+        </pc:spChg>
+      </pc:sldChg>
+      <pc:sldChg chg="addSp delSp modSp mod">
+        <pc:chgData name="Thomas Graf" userId="487bc3e3-9ce7-4cdd-b7b4-8899ea88d289" providerId="ADAL" clId="{FF1E8771-B1E8-4CEC-B725-4345F27D3194}" dt="2023-10-29T13:00:18.738" v="1640" actId="20577"/>
+        <pc:sldMkLst>
+          <pc:docMk/>
+          <pc:sldMk cId="663711217" sldId="2145706234"/>
+        </pc:sldMkLst>
+        <pc:spChg chg="del mod">
+          <ac:chgData name="Thomas Graf" userId="487bc3e3-9ce7-4cdd-b7b4-8899ea88d289" providerId="ADAL" clId="{FF1E8771-B1E8-4CEC-B725-4345F27D3194}" dt="2023-10-29T12:56:37.269" v="1492" actId="478"/>
+          <ac:spMkLst>
+            <pc:docMk/>
+            <pc:sldMk cId="663711217" sldId="2145706234"/>
+            <ac:spMk id="5" creationId="{0194B37B-813A-99FE-7B78-4D87D8C30D44}"/>
+          </ac:spMkLst>
+        </pc:spChg>
+        <pc:spChg chg="mod">
+          <ac:chgData name="Thomas Graf" userId="487bc3e3-9ce7-4cdd-b7b4-8899ea88d289" providerId="ADAL" clId="{FF1E8771-B1E8-4CEC-B725-4345F27D3194}" dt="2023-10-29T13:00:18.738" v="1640" actId="20577"/>
+          <ac:spMkLst>
+            <pc:docMk/>
+            <pc:sldMk cId="663711217" sldId="2145706234"/>
+            <ac:spMk id="18" creationId="{B283EDB4-CFDF-D6B9-8AF9-9CFA563360E3}"/>
+          </ac:spMkLst>
+        </pc:spChg>
+        <pc:spChg chg="mod">
+          <ac:chgData name="Thomas Graf" userId="487bc3e3-9ce7-4cdd-b7b4-8899ea88d289" providerId="ADAL" clId="{FF1E8771-B1E8-4CEC-B725-4345F27D3194}" dt="2023-10-29T12:57:41.277" v="1560" actId="20577"/>
+          <ac:spMkLst>
+            <pc:docMk/>
+            <pc:sldMk cId="663711217" sldId="2145706234"/>
+            <ac:spMk id="19" creationId="{56D79134-17A9-8BC8-B7D0-97BCFFB9A6B2}"/>
+          </ac:spMkLst>
+        </pc:spChg>
+        <pc:picChg chg="add mod">
+          <ac:chgData name="Thomas Graf" userId="487bc3e3-9ce7-4cdd-b7b4-8899ea88d289" providerId="ADAL" clId="{FF1E8771-B1E8-4CEC-B725-4345F27D3194}" dt="2023-10-29T12:56:50.799" v="1499" actId="1076"/>
+          <ac:picMkLst>
+            <pc:docMk/>
+            <pc:sldMk cId="663711217" sldId="2145706234"/>
+            <ac:picMk id="3" creationId="{D273520C-C3FB-5F5E-ED45-63CDDF11C749}"/>
+          </ac:picMkLst>
+        </pc:picChg>
+      </pc:sldChg>
+      <pc:sldChg chg="addSp delSp modSp mod">
+        <pc:chgData name="Thomas Graf" userId="487bc3e3-9ce7-4cdd-b7b4-8899ea88d289" providerId="ADAL" clId="{FF1E8771-B1E8-4CEC-B725-4345F27D3194}" dt="2023-10-29T12:48:21.618" v="1210" actId="14100"/>
+        <pc:sldMkLst>
+          <pc:docMk/>
+          <pc:sldMk cId="2256840188" sldId="2145706235"/>
+        </pc:sldMkLst>
+        <pc:spChg chg="del">
+          <ac:chgData name="Thomas Graf" userId="487bc3e3-9ce7-4cdd-b7b4-8899ea88d289" providerId="ADAL" clId="{FF1E8771-B1E8-4CEC-B725-4345F27D3194}" dt="2023-10-29T12:33:48.981" v="925" actId="478"/>
+          <ac:spMkLst>
+            <pc:docMk/>
+            <pc:sldMk cId="2256840188" sldId="2145706235"/>
+            <ac:spMk id="3" creationId="{29C0DFD4-432D-4B0C-93DF-790441DCF5B9}"/>
+          </ac:spMkLst>
+        </pc:spChg>
+        <pc:spChg chg="add del mod">
+          <ac:chgData name="Thomas Graf" userId="487bc3e3-9ce7-4cdd-b7b4-8899ea88d289" providerId="ADAL" clId="{FF1E8771-B1E8-4CEC-B725-4345F27D3194}" dt="2023-10-29T12:33:57.034" v="927" actId="478"/>
+          <ac:spMkLst>
+            <pc:docMk/>
+            <pc:sldMk cId="2256840188" sldId="2145706235"/>
+            <ac:spMk id="4" creationId="{1D0EDFB7-FD45-5028-322C-4F3FE113E2AE}"/>
+          </ac:spMkLst>
+        </pc:spChg>
+        <pc:spChg chg="mod">
+          <ac:chgData name="Thomas Graf" userId="487bc3e3-9ce7-4cdd-b7b4-8899ea88d289" providerId="ADAL" clId="{FF1E8771-B1E8-4CEC-B725-4345F27D3194}" dt="2023-10-29T12:27:56.371" v="448" actId="20577"/>
+          <ac:spMkLst>
+            <pc:docMk/>
+            <pc:sldMk cId="2256840188" sldId="2145706235"/>
+            <ac:spMk id="6" creationId="{ABB61075-2877-B162-7D8F-97EC17B8DF39}"/>
+          </ac:spMkLst>
+        </pc:spChg>
+        <pc:spChg chg="add del mod">
+          <ac:chgData name="Thomas Graf" userId="487bc3e3-9ce7-4cdd-b7b4-8899ea88d289" providerId="ADAL" clId="{FF1E8771-B1E8-4CEC-B725-4345F27D3194}" dt="2023-10-29T12:36:57.436" v="991" actId="14100"/>
+          <ac:spMkLst>
+            <pc:docMk/>
+            <pc:sldMk cId="2256840188" sldId="2145706235"/>
+            <ac:spMk id="7" creationId="{E751AA3A-A181-4E76-CC75-041686EB2C20}"/>
+          </ac:spMkLst>
+        </pc:spChg>
+        <pc:spChg chg="add del mod">
+          <ac:chgData name="Thomas Graf" userId="487bc3e3-9ce7-4cdd-b7b4-8899ea88d289" providerId="ADAL" clId="{FF1E8771-B1E8-4CEC-B725-4345F27D3194}" dt="2023-10-29T12:36:40.670" v="988" actId="14100"/>
+          <ac:spMkLst>
+            <pc:docMk/>
+            <pc:sldMk cId="2256840188" sldId="2145706235"/>
+            <ac:spMk id="8" creationId="{8F5B7433-6C2C-9F79-E743-B4F7F3199C49}"/>
+          </ac:spMkLst>
+        </pc:spChg>
+        <pc:spChg chg="mod">
+          <ac:chgData name="Thomas Graf" userId="487bc3e3-9ce7-4cdd-b7b4-8899ea88d289" providerId="ADAL" clId="{FF1E8771-B1E8-4CEC-B725-4345F27D3194}" dt="2023-10-29T12:36:03.010" v="977" actId="20577"/>
+          <ac:spMkLst>
+            <pc:docMk/>
+            <pc:sldMk cId="2256840188" sldId="2145706235"/>
+            <ac:spMk id="17" creationId="{8F78EE4C-6EFD-4363-A98F-3E5608669DF5}"/>
+          </ac:spMkLst>
+        </pc:spChg>
+        <pc:spChg chg="mod">
+          <ac:chgData name="Thomas Graf" userId="487bc3e3-9ce7-4cdd-b7b4-8899ea88d289" providerId="ADAL" clId="{FF1E8771-B1E8-4CEC-B725-4345F27D3194}" dt="2023-10-29T12:36:53.556" v="990" actId="14100"/>
+          <ac:spMkLst>
+            <pc:docMk/>
+            <pc:sldMk cId="2256840188" sldId="2145706235"/>
+            <ac:spMk id="19" creationId="{B0AC9776-B227-44FD-A2AC-1FDE0B6F1445}"/>
+          </ac:spMkLst>
+        </pc:spChg>
+        <pc:spChg chg="add mod">
+          <ac:chgData name="Thomas Graf" userId="487bc3e3-9ce7-4cdd-b7b4-8899ea88d289" providerId="ADAL" clId="{FF1E8771-B1E8-4CEC-B725-4345F27D3194}" dt="2023-10-29T12:48:09.759" v="1207" actId="255"/>
+          <ac:spMkLst>
+            <pc:docMk/>
+            <pc:sldMk cId="2256840188" sldId="2145706235"/>
+            <ac:spMk id="20" creationId="{E846C2CB-2A43-3B4C-BB6E-9C3ACA9B9758}"/>
+          </ac:spMkLst>
+        </pc:spChg>
+        <pc:cxnChg chg="add mod">
+          <ac:chgData name="Thomas Graf" userId="487bc3e3-9ce7-4cdd-b7b4-8899ea88d289" providerId="ADAL" clId="{FF1E8771-B1E8-4CEC-B725-4345F27D3194}" dt="2023-10-29T12:38:51.773" v="1116" actId="14100"/>
+          <ac:cxnSpMkLst>
+            <pc:docMk/>
+            <pc:sldMk cId="2256840188" sldId="2145706235"/>
+            <ac:cxnSpMk id="5" creationId="{5370E270-EEB2-F115-EF4D-C97002326F18}"/>
+          </ac:cxnSpMkLst>
+        </pc:cxnChg>
+        <pc:cxnChg chg="add mod">
+          <ac:chgData name="Thomas Graf" userId="487bc3e3-9ce7-4cdd-b7b4-8899ea88d289" providerId="ADAL" clId="{FF1E8771-B1E8-4CEC-B725-4345F27D3194}" dt="2023-10-29T12:48:21.618" v="1210" actId="14100"/>
+          <ac:cxnSpMkLst>
+            <pc:docMk/>
+            <pc:sldMk cId="2256840188" sldId="2145706235"/>
+            <ac:cxnSpMk id="9" creationId="{64493AF9-D9ED-2EFA-8CC1-193009826C6B}"/>
+          </ac:cxnSpMkLst>
+        </pc:cxnChg>
+        <pc:cxnChg chg="add mod">
+          <ac:chgData name="Thomas Graf" userId="487bc3e3-9ce7-4cdd-b7b4-8899ea88d289" providerId="ADAL" clId="{FF1E8771-B1E8-4CEC-B725-4345F27D3194}" dt="2023-10-29T12:48:15.094" v="1208" actId="14100"/>
+          <ac:cxnSpMkLst>
+            <pc:docMk/>
+            <pc:sldMk cId="2256840188" sldId="2145706235"/>
+            <ac:cxnSpMk id="10" creationId="{7AB39C7E-0F1D-FE2E-FC09-23AAF8060A41}"/>
+          </ac:cxnSpMkLst>
+        </pc:cxnChg>
+        <pc:cxnChg chg="add del mod">
+          <ac:chgData name="Thomas Graf" userId="487bc3e3-9ce7-4cdd-b7b4-8899ea88d289" providerId="ADAL" clId="{FF1E8771-B1E8-4CEC-B725-4345F27D3194}" dt="2023-10-29T12:37:07.723" v="995" actId="478"/>
+          <ac:cxnSpMkLst>
+            <pc:docMk/>
+            <pc:sldMk cId="2256840188" sldId="2145706235"/>
+            <ac:cxnSpMk id="12" creationId="{15170B53-FA8B-2F79-179F-AA7ACB5B0296}"/>
+          </ac:cxnSpMkLst>
+        </pc:cxnChg>
+        <pc:cxnChg chg="del">
+          <ac:chgData name="Thomas Graf" userId="487bc3e3-9ce7-4cdd-b7b4-8899ea88d289" providerId="ADAL" clId="{FF1E8771-B1E8-4CEC-B725-4345F27D3194}" dt="2023-10-29T12:33:48.981" v="925" actId="478"/>
+          <ac:cxnSpMkLst>
+            <pc:docMk/>
+            <pc:sldMk cId="2256840188" sldId="2145706235"/>
+            <ac:cxnSpMk id="13" creationId="{ABDEEB90-F9DE-4579-466A-4391823DABF7}"/>
+          </ac:cxnSpMkLst>
+        </pc:cxnChg>
+        <pc:cxnChg chg="add del mod">
+          <ac:chgData name="Thomas Graf" userId="487bc3e3-9ce7-4cdd-b7b4-8899ea88d289" providerId="ADAL" clId="{FF1E8771-B1E8-4CEC-B725-4345F27D3194}" dt="2023-10-29T12:33:59.835" v="929" actId="478"/>
+          <ac:cxnSpMkLst>
+            <pc:docMk/>
+            <pc:sldMk cId="2256840188" sldId="2145706235"/>
+            <ac:cxnSpMk id="14" creationId="{189B9352-DF14-DCC5-8852-3E24F676995B}"/>
+          </ac:cxnSpMkLst>
+        </pc:cxnChg>
+        <pc:cxnChg chg="add del mod">
+          <ac:chgData name="Thomas Graf" userId="487bc3e3-9ce7-4cdd-b7b4-8899ea88d289" providerId="ADAL" clId="{FF1E8771-B1E8-4CEC-B725-4345F27D3194}" dt="2023-10-29T12:33:59.835" v="929" actId="478"/>
+          <ac:cxnSpMkLst>
+            <pc:docMk/>
+            <pc:sldMk cId="2256840188" sldId="2145706235"/>
+            <ac:cxnSpMk id="15" creationId="{16C007D3-5C41-72CC-2F0D-20A40A25E4C3}"/>
+          </ac:cxnSpMkLst>
+        </pc:cxnChg>
+        <pc:cxnChg chg="add del mod">
+          <ac:chgData name="Thomas Graf" userId="487bc3e3-9ce7-4cdd-b7b4-8899ea88d289" providerId="ADAL" clId="{FF1E8771-B1E8-4CEC-B725-4345F27D3194}" dt="2023-10-29T12:33:59.835" v="929" actId="478"/>
+          <ac:cxnSpMkLst>
+            <pc:docMk/>
+            <pc:sldMk cId="2256840188" sldId="2145706235"/>
+            <ac:cxnSpMk id="16" creationId="{D919FEA3-A091-D0B9-D4F2-9092F6ECEBB8}"/>
+          </ac:cxnSpMkLst>
+        </pc:cxnChg>
+        <pc:cxnChg chg="add del mod">
+          <ac:chgData name="Thomas Graf" userId="487bc3e3-9ce7-4cdd-b7b4-8899ea88d289" providerId="ADAL" clId="{FF1E8771-B1E8-4CEC-B725-4345F27D3194}" dt="2023-10-29T12:33:59.835" v="929" actId="478"/>
+          <ac:cxnSpMkLst>
+            <pc:docMk/>
+            <pc:sldMk cId="2256840188" sldId="2145706235"/>
+            <ac:cxnSpMk id="18" creationId="{072C1B77-7EBE-9F67-7055-837767DD1381}"/>
+          </ac:cxnSpMkLst>
+        </pc:cxnChg>
+        <pc:cxnChg chg="del">
+          <ac:chgData name="Thomas Graf" userId="487bc3e3-9ce7-4cdd-b7b4-8899ea88d289" providerId="ADAL" clId="{FF1E8771-B1E8-4CEC-B725-4345F27D3194}" dt="2023-10-29T12:33:48.981" v="925" actId="478"/>
+          <ac:cxnSpMkLst>
+            <pc:docMk/>
+            <pc:sldMk cId="2256840188" sldId="2145706235"/>
+            <ac:cxnSpMk id="22" creationId="{5EE7A184-4440-4663-A713-45C43FB41FBD}"/>
+          </ac:cxnSpMkLst>
+        </pc:cxnChg>
+        <pc:cxnChg chg="del">
+          <ac:chgData name="Thomas Graf" userId="487bc3e3-9ce7-4cdd-b7b4-8899ea88d289" providerId="ADAL" clId="{FF1E8771-B1E8-4CEC-B725-4345F27D3194}" dt="2023-10-29T12:33:48.981" v="925" actId="478"/>
+          <ac:cxnSpMkLst>
+            <pc:docMk/>
+            <pc:sldMk cId="2256840188" sldId="2145706235"/>
+            <ac:cxnSpMk id="23" creationId="{D8988D8C-34C7-42B3-BD73-F0A5B399F9DF}"/>
+          </ac:cxnSpMkLst>
+        </pc:cxnChg>
+      </pc:sldChg>
+      <pc:sldChg chg="add del">
+        <pc:chgData name="Thomas Graf" userId="487bc3e3-9ce7-4cdd-b7b4-8899ea88d289" providerId="ADAL" clId="{FF1E8771-B1E8-4CEC-B725-4345F27D3194}" dt="2023-10-29T12:56:29.096" v="1490" actId="2696"/>
+        <pc:sldMkLst>
+          <pc:docMk/>
+          <pc:sldMk cId="2490642252" sldId="2145706236"/>
+        </pc:sldMkLst>
+      </pc:sldChg>
+      <pc:sldChg chg="modSp add mod">
+        <pc:chgData name="Thomas Graf" userId="487bc3e3-9ce7-4cdd-b7b4-8899ea88d289" providerId="ADAL" clId="{FF1E8771-B1E8-4CEC-B725-4345F27D3194}" dt="2023-10-29T13:01:11.413" v="1652" actId="108"/>
+        <pc:sldMkLst>
+          <pc:docMk/>
+          <pc:sldMk cId="3864283889" sldId="2145706236"/>
+        </pc:sldMkLst>
+        <pc:spChg chg="mod">
+          <ac:chgData name="Thomas Graf" userId="487bc3e3-9ce7-4cdd-b7b4-8899ea88d289" providerId="ADAL" clId="{FF1E8771-B1E8-4CEC-B725-4345F27D3194}" dt="2023-10-29T13:01:11.413" v="1652" actId="108"/>
+          <ac:spMkLst>
+            <pc:docMk/>
+            <pc:sldMk cId="3864283889" sldId="2145706236"/>
+            <ac:spMk id="19" creationId="{56D79134-17A9-8BC8-B7D0-97BCFFB9A6B2}"/>
+          </ac:spMkLst>
+        </pc:spChg>
+      </pc:sldChg>
+    </pc:docChg>
+  </pc:docChgLst>
 </pc:chgInfo>
 </file>
 
@@ -1680,7 +2157,7 @@
           <a:p>
             <a:fld id="{E5E705E9-673F-4AC4-B29E-A7B26F3B8523}" type="datetimeFigureOut">
               <a:rPr lang="de-CH" smtClean="0"/>
-              <a:t>28.10.2023</a:t>
+              <a:t>29.10.2023</a:t>
             </a:fld>
             <a:endParaRPr lang="de-CH"/>
           </a:p>
@@ -2097,7 +2574,7 @@
           <a:p>
             <a:fld id="{9E9B238C-2335-4007-98C9-471C02CC43B6}" type="datetimeFigureOut">
               <a:rPr lang="de-CH" smtClean="0"/>
-              <a:t>28.10.2023</a:t>
+              <a:t>29.10.2023</a:t>
             </a:fld>
             <a:endParaRPr lang="de-CH"/>
           </a:p>
@@ -2297,7 +2774,7 @@
           <a:p>
             <a:fld id="{9E9B238C-2335-4007-98C9-471C02CC43B6}" type="datetimeFigureOut">
               <a:rPr lang="de-CH" smtClean="0"/>
-              <a:t>28.10.2023</a:t>
+              <a:t>29.10.2023</a:t>
             </a:fld>
             <a:endParaRPr lang="de-CH"/>
           </a:p>
@@ -2507,7 +2984,7 @@
           <a:p>
             <a:fld id="{9E9B238C-2335-4007-98C9-471C02CC43B6}" type="datetimeFigureOut">
               <a:rPr lang="de-CH" smtClean="0"/>
-              <a:t>28.10.2023</a:t>
+              <a:t>29.10.2023</a:t>
             </a:fld>
             <a:endParaRPr lang="de-CH"/>
           </a:p>
@@ -2936,7 +3413,7 @@
           <a:p>
             <a:fld id="{9E9B238C-2335-4007-98C9-471C02CC43B6}" type="datetimeFigureOut">
               <a:rPr lang="de-CH" smtClean="0"/>
-              <a:t>28.10.2023</a:t>
+              <a:t>29.10.2023</a:t>
             </a:fld>
             <a:endParaRPr lang="de-CH"/>
           </a:p>
@@ -3212,7 +3689,7 @@
           <a:p>
             <a:fld id="{9E9B238C-2335-4007-98C9-471C02CC43B6}" type="datetimeFigureOut">
               <a:rPr lang="de-CH" smtClean="0"/>
-              <a:t>28.10.2023</a:t>
+              <a:t>29.10.2023</a:t>
             </a:fld>
             <a:endParaRPr lang="de-CH"/>
           </a:p>
@@ -3480,7 +3957,7 @@
           <a:p>
             <a:fld id="{9E9B238C-2335-4007-98C9-471C02CC43B6}" type="datetimeFigureOut">
               <a:rPr lang="de-CH" smtClean="0"/>
-              <a:t>28.10.2023</a:t>
+              <a:t>29.10.2023</a:t>
             </a:fld>
             <a:endParaRPr lang="de-CH"/>
           </a:p>
@@ -3895,7 +4372,7 @@
           <a:p>
             <a:fld id="{9E9B238C-2335-4007-98C9-471C02CC43B6}" type="datetimeFigureOut">
               <a:rPr lang="de-CH" smtClean="0"/>
-              <a:t>28.10.2023</a:t>
+              <a:t>29.10.2023</a:t>
             </a:fld>
             <a:endParaRPr lang="de-CH"/>
           </a:p>
@@ -4037,7 +4514,7 @@
           <a:p>
             <a:fld id="{9E9B238C-2335-4007-98C9-471C02CC43B6}" type="datetimeFigureOut">
               <a:rPr lang="de-CH" smtClean="0"/>
-              <a:t>28.10.2023</a:t>
+              <a:t>29.10.2023</a:t>
             </a:fld>
             <a:endParaRPr lang="de-CH"/>
           </a:p>
@@ -4150,7 +4627,7 @@
           <a:p>
             <a:fld id="{9E9B238C-2335-4007-98C9-471C02CC43B6}" type="datetimeFigureOut">
               <a:rPr lang="de-CH" smtClean="0"/>
-              <a:t>28.10.2023</a:t>
+              <a:t>29.10.2023</a:t>
             </a:fld>
             <a:endParaRPr lang="de-CH"/>
           </a:p>
@@ -4463,7 +4940,7 @@
           <a:p>
             <a:fld id="{9E9B238C-2335-4007-98C9-471C02CC43B6}" type="datetimeFigureOut">
               <a:rPr lang="de-CH" smtClean="0"/>
-              <a:t>28.10.2023</a:t>
+              <a:t>29.10.2023</a:t>
             </a:fld>
             <a:endParaRPr lang="de-CH"/>
           </a:p>
@@ -4752,7 +5229,7 @@
           <a:p>
             <a:fld id="{9E9B238C-2335-4007-98C9-471C02CC43B6}" type="datetimeFigureOut">
               <a:rPr lang="de-CH" smtClean="0"/>
-              <a:t>28.10.2023</a:t>
+              <a:t>29.10.2023</a:t>
             </a:fld>
             <a:endParaRPr lang="de-CH"/>
           </a:p>
@@ -4995,7 +5472,7 @@
           <a:p>
             <a:fld id="{9E9B238C-2335-4007-98C9-471C02CC43B6}" type="datetimeFigureOut">
               <a:rPr lang="de-CH" smtClean="0"/>
-              <a:t>28.10.2023</a:t>
+              <a:t>29.10.2023</a:t>
             </a:fld>
             <a:endParaRPr lang="de-CH"/>
           </a:p>
@@ -5929,6 +6406,397 @@
       </p:grpSpPr>
       <p:sp>
         <p:nvSpPr>
+          <p:cNvPr id="6" name="Slide Number Placeholder 1">
+            <a:extLst>
+              <a:ext uri="{FF2B5EF4-FFF2-40B4-BE49-F238E27FC236}">
+                <a16:creationId xmlns:a16="http://schemas.microsoft.com/office/drawing/2014/main" id="{024DC3B6-499C-4E15-9336-2F15A0DFB843}"/>
+              </a:ext>
+            </a:extLst>
+          </p:cNvPr>
+          <p:cNvSpPr>
+            <a:spLocks noGrp="1"/>
+          </p:cNvSpPr>
+          <p:nvPr>
+            <p:ph type="sldNum" sz="quarter" idx="12"/>
+          </p:nvPr>
+        </p:nvSpPr>
+        <p:spPr>
+          <a:xfrm>
+            <a:off x="11587892" y="6361637"/>
+            <a:ext cx="414251" cy="365125"/>
+          </a:xfrm>
+        </p:spPr>
+        <p:txBody>
+          <a:bodyPr/>
+          <a:lstStyle/>
+          <a:p>
+            <a:fld id="{FC4AC485-25DE-431E-B345-9C0A15BB7F8A}" type="slidenum">
+              <a:rPr lang="de-CH" sz="1400" smtClean="0"/>
+              <a:t>10</a:t>
+            </a:fld>
+            <a:endParaRPr lang="de-CH" sz="1400" dirty="0"/>
+          </a:p>
+        </p:txBody>
+      </p:sp>
+      <p:sp>
+        <p:nvSpPr>
+          <p:cNvPr id="5" name="Inhaltsplatzhalter 2">
+            <a:extLst>
+              <a:ext uri="{FF2B5EF4-FFF2-40B4-BE49-F238E27FC236}">
+                <a16:creationId xmlns:a16="http://schemas.microsoft.com/office/drawing/2014/main" id="{0194B37B-813A-99FE-7B78-4D87D8C30D44}"/>
+              </a:ext>
+            </a:extLst>
+          </p:cNvPr>
+          <p:cNvSpPr txBox="1">
+            <a:spLocks/>
+          </p:cNvSpPr>
+          <p:nvPr/>
+        </p:nvSpPr>
+        <p:spPr bwMode="black">
+          <a:xfrm>
+            <a:off x="970961" y="2011679"/>
+            <a:ext cx="9486450" cy="4171630"/>
+          </a:xfrm>
+          <a:prstGeom prst="rect">
+            <a:avLst/>
+          </a:prstGeom>
+        </p:spPr>
+        <p:txBody>
+          <a:bodyPr wrap="square" lIns="0" tIns="0" rIns="0" bIns="0"/>
+          <a:lstStyle>
+            <a:lvl1pPr marL="0" indent="0" algn="l" defTabSz="914400" rtl="0" eaLnBrk="1" latinLnBrk="0" hangingPunct="1">
+              <a:lnSpc>
+                <a:spcPct val="110000"/>
+              </a:lnSpc>
+              <a:spcBef>
+                <a:spcPts val="600"/>
+              </a:spcBef>
+              <a:spcAft>
+                <a:spcPts val="600"/>
+              </a:spcAft>
+              <a:buFont typeface="Arial" panose="020B0604020202020204" pitchFamily="34" charset="0"/>
+              <a:buNone/>
+              <a:defRPr sz="2000" b="0" kern="1200">
+                <a:solidFill>
+                  <a:schemeClr val="tx1"/>
+                </a:solidFill>
+                <a:latin typeface="+mn-lt"/>
+                <a:ea typeface="+mn-ea"/>
+                <a:cs typeface="+mn-cs"/>
+              </a:defRPr>
+            </a:lvl1pPr>
+            <a:lvl2pPr marL="216000" indent="-216000" algn="l" defTabSz="914400" rtl="0" eaLnBrk="1" latinLnBrk="0" hangingPunct="1">
+              <a:lnSpc>
+                <a:spcPct val="110000"/>
+              </a:lnSpc>
+              <a:spcBef>
+                <a:spcPts val="200"/>
+              </a:spcBef>
+              <a:spcAft>
+                <a:spcPts val="200"/>
+              </a:spcAft>
+              <a:buFont typeface="Arial" panose="020B0604020202020204" pitchFamily="34" charset="0"/>
+              <a:buChar char="•"/>
+              <a:defRPr sz="2000" kern="1200">
+                <a:solidFill>
+                  <a:schemeClr val="tx1"/>
+                </a:solidFill>
+                <a:latin typeface="+mn-lt"/>
+                <a:ea typeface="+mn-ea"/>
+                <a:cs typeface="+mn-cs"/>
+              </a:defRPr>
+            </a:lvl2pPr>
+            <a:lvl3pPr marL="504000" indent="-288000" algn="l" defTabSz="914400" rtl="0" eaLnBrk="1" latinLnBrk="0" hangingPunct="1">
+              <a:lnSpc>
+                <a:spcPct val="110000"/>
+              </a:lnSpc>
+              <a:spcBef>
+                <a:spcPts val="200"/>
+              </a:spcBef>
+              <a:spcAft>
+                <a:spcPts val="200"/>
+              </a:spcAft>
+              <a:buFont typeface="TheSans Swisscom Light" panose="020B0300040303060204" pitchFamily="34" charset="0"/>
+              <a:buChar char="−"/>
+              <a:defRPr sz="2000" kern="1200">
+                <a:solidFill>
+                  <a:schemeClr val="tx1"/>
+                </a:solidFill>
+                <a:latin typeface="+mn-lt"/>
+                <a:ea typeface="+mn-ea"/>
+                <a:cs typeface="+mn-cs"/>
+              </a:defRPr>
+            </a:lvl3pPr>
+            <a:lvl4pPr marL="792000" indent="-288000" algn="l" defTabSz="914400" rtl="0" eaLnBrk="1" latinLnBrk="0" hangingPunct="1">
+              <a:lnSpc>
+                <a:spcPct val="110000"/>
+              </a:lnSpc>
+              <a:spcBef>
+                <a:spcPts val="200"/>
+              </a:spcBef>
+              <a:spcAft>
+                <a:spcPts val="200"/>
+              </a:spcAft>
+              <a:buFont typeface="TheSans Swisscom Light" panose="020B0300040303060204" pitchFamily="34" charset="0"/>
+              <a:buChar char="−"/>
+              <a:defRPr sz="2000" kern="1200">
+                <a:solidFill>
+                  <a:schemeClr val="tx1"/>
+                </a:solidFill>
+                <a:latin typeface="+mn-lt"/>
+                <a:ea typeface="+mn-ea"/>
+                <a:cs typeface="+mn-cs"/>
+              </a:defRPr>
+            </a:lvl4pPr>
+            <a:lvl5pPr marL="792000" indent="-288000" algn="l" defTabSz="914400" rtl="0" eaLnBrk="1" latinLnBrk="0" hangingPunct="1">
+              <a:lnSpc>
+                <a:spcPct val="110000"/>
+              </a:lnSpc>
+              <a:spcBef>
+                <a:spcPts val="200"/>
+              </a:spcBef>
+              <a:spcAft>
+                <a:spcPts val="200"/>
+              </a:spcAft>
+              <a:buFont typeface="TheSans Swisscom Light" panose="020B0300040303060204" pitchFamily="34" charset="0"/>
+              <a:buChar char="−"/>
+              <a:defRPr sz="2000" kern="1200">
+                <a:solidFill>
+                  <a:schemeClr val="tx1"/>
+                </a:solidFill>
+                <a:latin typeface="+mn-lt"/>
+                <a:ea typeface="+mn-ea"/>
+                <a:cs typeface="+mn-cs"/>
+              </a:defRPr>
+            </a:lvl5pPr>
+            <a:lvl6pPr marL="792000" indent="-288000" algn="l" defTabSz="914400" rtl="0" eaLnBrk="1" latinLnBrk="0" hangingPunct="1">
+              <a:lnSpc>
+                <a:spcPct val="110000"/>
+              </a:lnSpc>
+              <a:spcBef>
+                <a:spcPts val="200"/>
+              </a:spcBef>
+              <a:spcAft>
+                <a:spcPts val="200"/>
+              </a:spcAft>
+              <a:buFont typeface="TheSans Swisscom Light" panose="020B0300040303060204" pitchFamily="34" charset="0"/>
+              <a:buChar char="−"/>
+              <a:defRPr sz="2000" kern="1200">
+                <a:solidFill>
+                  <a:schemeClr val="tx1"/>
+                </a:solidFill>
+                <a:latin typeface="+mn-lt"/>
+                <a:ea typeface="+mn-ea"/>
+                <a:cs typeface="+mn-cs"/>
+              </a:defRPr>
+            </a:lvl6pPr>
+            <a:lvl7pPr marL="792000" indent="-288000" algn="l" defTabSz="914400" rtl="0" eaLnBrk="1" latinLnBrk="0" hangingPunct="1">
+              <a:lnSpc>
+                <a:spcPct val="110000"/>
+              </a:lnSpc>
+              <a:spcBef>
+                <a:spcPts val="200"/>
+              </a:spcBef>
+              <a:spcAft>
+                <a:spcPts val="200"/>
+              </a:spcAft>
+              <a:buFont typeface="TheSans Swisscom Light" panose="020B0300040303060204" pitchFamily="34" charset="0"/>
+              <a:buChar char="−"/>
+              <a:defRPr sz="2000" kern="1200">
+                <a:solidFill>
+                  <a:schemeClr val="tx1"/>
+                </a:solidFill>
+                <a:latin typeface="+mn-lt"/>
+                <a:ea typeface="+mn-ea"/>
+                <a:cs typeface="+mn-cs"/>
+              </a:defRPr>
+            </a:lvl7pPr>
+            <a:lvl8pPr marL="792000" indent="-288000" algn="l" defTabSz="914400" rtl="0" eaLnBrk="1" latinLnBrk="0" hangingPunct="1">
+              <a:lnSpc>
+                <a:spcPct val="110000"/>
+              </a:lnSpc>
+              <a:spcBef>
+                <a:spcPts val="200"/>
+              </a:spcBef>
+              <a:spcAft>
+                <a:spcPts val="200"/>
+              </a:spcAft>
+              <a:buFont typeface="TheSans Swisscom Light" panose="020B0300040303060204" pitchFamily="34" charset="0"/>
+              <a:buChar char="−"/>
+              <a:defRPr sz="2000" kern="1200">
+                <a:solidFill>
+                  <a:schemeClr val="tx1"/>
+                </a:solidFill>
+                <a:latin typeface="+mn-lt"/>
+                <a:ea typeface="+mn-ea"/>
+                <a:cs typeface="+mn-cs"/>
+              </a:defRPr>
+            </a:lvl8pPr>
+            <a:lvl9pPr marL="792000" indent="-288000" algn="l" defTabSz="914400" rtl="0" eaLnBrk="1" latinLnBrk="0" hangingPunct="1">
+              <a:lnSpc>
+                <a:spcPct val="110000"/>
+              </a:lnSpc>
+              <a:spcBef>
+                <a:spcPts val="200"/>
+              </a:spcBef>
+              <a:spcAft>
+                <a:spcPts val="200"/>
+              </a:spcAft>
+              <a:buFont typeface="TheSans Swisscom Light" panose="020B0300040303060204" pitchFamily="34" charset="0"/>
+              <a:buChar char="−"/>
+              <a:defRPr sz="2000" kern="1200">
+                <a:solidFill>
+                  <a:schemeClr val="tx1"/>
+                </a:solidFill>
+                <a:latin typeface="+mn-lt"/>
+                <a:ea typeface="+mn-ea"/>
+                <a:cs typeface="+mn-cs"/>
+              </a:defRPr>
+            </a:lvl9pPr>
+          </a:lstStyle>
+          <a:p>
+            <a:r>
+              <a:rPr lang="en-US" b="1" dirty="0">
+                <a:solidFill>
+                  <a:srgbClr val="FF0000"/>
+                </a:solidFill>
+              </a:rPr>
+              <a:t>Network Operators: </a:t>
+            </a:r>
+            <a:r>
+              <a:rPr lang="en-US" dirty="0"/>
+              <a:t>Do you agree that today actions, traffic is dropped, path is withdrawn, interface is down are always exposed through Network Telemetry, but reason and cause, dropped due to unreachable next-hop, withdrawn due to peer down, interface down due to missing signal, are rarely and would be most interesting?</a:t>
+            </a:r>
+          </a:p>
+          <a:p>
+            <a:r>
+              <a:rPr lang="en-US" b="1" dirty="0">
+                <a:solidFill>
+                  <a:srgbClr val="FF0000"/>
+                </a:solidFill>
+              </a:rPr>
+              <a:t>Network Vendors: </a:t>
+            </a:r>
+            <a:r>
+              <a:rPr lang="en-US" dirty="0"/>
+              <a:t>Is the assumption correct that a network process, routing process withdrawing a path, most of the time knows why it acts that way, and could potential make this reason and cause information available?</a:t>
+            </a:r>
+          </a:p>
+          <a:p>
+            <a:r>
+              <a:rPr lang="en-US" b="1" dirty="0">
+                <a:solidFill>
+                  <a:srgbClr val="FF0000"/>
+                </a:solidFill>
+              </a:rPr>
+              <a:t>Academia: </a:t>
+            </a:r>
+            <a:r>
+              <a:rPr lang="en-US" dirty="0"/>
+              <a:t>Would it help if network operators would provide well defined labeled operational and analytical data to enable and validate their research?</a:t>
+            </a:r>
+          </a:p>
+          <a:p>
+            <a:r>
+              <a:rPr lang="en-US" b="1" dirty="0">
+                <a:solidFill>
+                  <a:srgbClr val="FF0000"/>
+                </a:solidFill>
+              </a:rPr>
+              <a:t>Everybody: </a:t>
+            </a:r>
+            <a:r>
+              <a:rPr lang="en-US" dirty="0"/>
+              <a:t>Should these symptoms be clearly described and standardized for a common terminology so that operators, researchers and anomaly detection systems alike understand their meaning and learn and act accordingly?</a:t>
+            </a:r>
+          </a:p>
+        </p:txBody>
+      </p:sp>
+      <p:sp>
+        <p:nvSpPr>
+          <p:cNvPr id="19" name="Title 1">
+            <a:extLst>
+              <a:ext uri="{FF2B5EF4-FFF2-40B4-BE49-F238E27FC236}">
+                <a16:creationId xmlns:a16="http://schemas.microsoft.com/office/drawing/2014/main" id="{56D79134-17A9-8BC8-B7D0-97BCFFB9A6B2}"/>
+              </a:ext>
+            </a:extLst>
+          </p:cNvPr>
+          <p:cNvSpPr>
+            <a:spLocks noGrp="1"/>
+          </p:cNvSpPr>
+          <p:nvPr>
+            <p:ph type="title"/>
+          </p:nvPr>
+        </p:nvSpPr>
+        <p:spPr>
+          <a:xfrm>
+            <a:off x="838200" y="365125"/>
+            <a:ext cx="10515600" cy="1325563"/>
+          </a:xfrm>
+        </p:spPr>
+        <p:txBody>
+          <a:bodyPr>
+            <a:normAutofit/>
+          </a:bodyPr>
+          <a:lstStyle/>
+          <a:p>
+            <a:r>
+              <a:rPr lang="en-US" sz="2800" b="1" dirty="0"/>
+              <a:t>Questions to the audience</a:t>
+            </a:r>
+            <a:br>
+              <a:rPr lang="en-US" sz="3600" dirty="0"/>
+            </a:br>
+            <a:r>
+              <a:rPr lang="en-US" sz="2700" dirty="0">
+                <a:solidFill>
+                  <a:schemeClr val="bg2">
+                    <a:lumMod val="75000"/>
+                  </a:schemeClr>
+                </a:solidFill>
+              </a:rPr>
+              <a:t>Do you care?</a:t>
+            </a:r>
+            <a:endParaRPr lang="en-US" sz="2700" dirty="0">
+              <a:solidFill>
+                <a:srgbClr val="FF0000"/>
+              </a:solidFill>
+            </a:endParaRPr>
+          </a:p>
+        </p:txBody>
+      </p:sp>
+    </p:spTree>
+    <p:extLst>
+      <p:ext uri="{BB962C8B-B14F-4D97-AF65-F5344CB8AC3E}">
+        <p14:creationId xmlns:p14="http://schemas.microsoft.com/office/powerpoint/2010/main" val="1609255611"/>
+      </p:ext>
+    </p:extLst>
+  </p:cSld>
+  <p:clrMapOvr>
+    <a:masterClrMapping/>
+  </p:clrMapOvr>
+</p:sld>
+</file>
+
+<file path=ppt/slides/slide11.xml><?xml version="1.0" encoding="utf-8"?>
+<p:sld xmlns:a="http://schemas.openxmlformats.org/drawingml/2006/main" xmlns:r="http://schemas.openxmlformats.org/officeDocument/2006/relationships" xmlns:p="http://schemas.openxmlformats.org/presentationml/2006/main">
+  <p:cSld>
+    <p:spTree>
+      <p:nvGrpSpPr>
+        <p:cNvPr id="1" name=""/>
+        <p:cNvGrpSpPr/>
+        <p:nvPr/>
+      </p:nvGrpSpPr>
+      <p:grpSpPr>
+        <a:xfrm>
+          <a:off x="0" y="0"/>
+          <a:ext cx="0" cy="0"/>
+          <a:chOff x="0" y="0"/>
+          <a:chExt cx="0" cy="0"/>
+        </a:xfrm>
+      </p:grpSpPr>
+      <p:sp>
+        <p:nvSpPr>
           <p:cNvPr id="17" name="TextBox 16">
             <a:extLst>
               <a:ext uri="{FF2B5EF4-FFF2-40B4-BE49-F238E27FC236}">
@@ -7286,8 +8154,8 @@
         </p:nvSpPr>
         <p:spPr>
           <a:xfrm>
-            <a:off x="6193410" y="1950737"/>
-            <a:ext cx="5229402" cy="4416814"/>
+            <a:off x="6193410" y="1929384"/>
+            <a:ext cx="5229402" cy="3557849"/>
           </a:xfrm>
         </p:spPr>
         <p:txBody>
@@ -7297,10 +8165,59 @@
           <a:lstStyle/>
           <a:p>
             <a:r>
-              <a:rPr lang="en-US" sz="1800" b="1" dirty="0"/>
-              <a:t>Text</a:t>
-            </a:r>
-            <a:endParaRPr lang="en-US" sz="1800" dirty="0"/>
+              <a:rPr lang="en-US" sz="2000" b="1" dirty="0">
+                <a:solidFill>
+                  <a:srgbClr val="FF0000"/>
+                </a:solidFill>
+              </a:rPr>
+              <a:t>Symptoms</a:t>
+            </a:r>
+            <a:r>
+              <a:rPr lang="en-US" sz="2000" dirty="0"/>
+              <a:t> describe what changed in the network for what reason and cause with which concern score from when to when.</a:t>
+            </a:r>
+          </a:p>
+          <a:p>
+            <a:r>
+              <a:rPr lang="en-US" sz="2000" b="1" dirty="0">
+                <a:solidFill>
+                  <a:srgbClr val="FF0000"/>
+                </a:solidFill>
+              </a:rPr>
+              <a:t>Source </a:t>
+            </a:r>
+            <a:r>
+              <a:rPr lang="en-US" sz="2000" dirty="0"/>
+              <a:t>describes who detected the outlier. A human or a network anomaly detection system.</a:t>
+            </a:r>
+          </a:p>
+          <a:p>
+            <a:r>
+              <a:rPr lang="en-US" sz="2000" b="1" dirty="0">
+                <a:solidFill>
+                  <a:srgbClr val="FF0000"/>
+                </a:solidFill>
+              </a:rPr>
+              <a:t>Plane</a:t>
+            </a:r>
+            <a:r>
+              <a:rPr lang="en-US" sz="2000" dirty="0"/>
+              <a:t> describes in which network plane it was observed. Forwarding, Control or Management Plane.</a:t>
+            </a:r>
+          </a:p>
+          <a:p>
+            <a:r>
+              <a:rPr lang="en-US" sz="2000" b="1" dirty="0">
+                <a:solidFill>
+                  <a:srgbClr val="FF0000"/>
+                </a:solidFill>
+              </a:rPr>
+              <a:t>Outlier-Type </a:t>
+            </a:r>
+            <a:r>
+              <a:rPr lang="en-US" sz="2000" dirty="0"/>
+              <a:t>describes which type of outlier it is. Global, Contextual or Collective.</a:t>
+            </a:r>
           </a:p>
           <a:p>
             <a:endParaRPr lang="en-US" sz="2000" dirty="0"/>
@@ -7380,7 +8297,7 @@
         <p:spPr>
           <a:xfrm>
             <a:off x="5020885" y="2024924"/>
-            <a:ext cx="1570814" cy="1795880"/>
+            <a:ext cx="1172525" cy="67827"/>
           </a:xfrm>
           <a:prstGeom prst="line">
             <a:avLst/>
@@ -7421,9 +8338,9 @@
           <p:nvPr/>
         </p:nvCxnSpPr>
         <p:spPr>
-          <a:xfrm>
-            <a:off x="5020885" y="4188899"/>
-            <a:ext cx="1570814" cy="1745673"/>
+          <a:xfrm flipV="1">
+            <a:off x="5020885" y="4006392"/>
+            <a:ext cx="1247940" cy="182507"/>
           </a:xfrm>
           <a:prstGeom prst="line">
             <a:avLst/>
@@ -7477,7 +8394,7 @@
           <a:p>
             <a:fld id="{FC4AC485-25DE-431E-B345-9C0A15BB7F8A}" type="slidenum">
               <a:rPr lang="de-CH" sz="1400" smtClean="0"/>
-              <a:t>10</a:t>
+              <a:t>11</a:t>
             </a:fld>
             <a:endParaRPr lang="de-CH" sz="1400" dirty="0"/>
           </a:p>
@@ -7513,7 +8430,7 @@
           <a:p>
             <a:r>
               <a:rPr lang="en-US" sz="2800" b="1" dirty="0"/>
-              <a:t>Semantic Metadata Annotation for Network Anomaly Detection</a:t>
+              <a:t>Annotate Operation Data</a:t>
             </a:r>
             <a:br>
               <a:rPr lang="en-US" sz="3600" dirty="0"/>
@@ -7526,25 +8443,7 @@
                   </a:schemeClr>
                 </a:solidFill>
               </a:rPr>
-              <a:t>Annotate </a:t>
-            </a:r>
-            <a:r>
-              <a:rPr lang="en-US" sz="2700" dirty="0">
-                <a:solidFill>
-                  <a:srgbClr val="FF0000"/>
-                </a:solidFill>
-              </a:rPr>
-              <a:t>Operational</a:t>
-            </a:r>
-            <a:r>
-              <a:rPr lang="en-US" sz="2700" dirty="0">
-                <a:solidFill>
-                  <a:schemeClr val="bg2">
-                    <a:lumMod val="75000"/>
-                  </a:schemeClr>
-                </a:solidFill>
-              </a:rPr>
-              <a:t> Data YANG Module</a:t>
+              <a:t>YANG Module</a:t>
             </a:r>
             <a:endParaRPr lang="en-US" sz="2700" dirty="0">
               <a:solidFill>
@@ -7793,9 +8692,9 @@
           <p:nvPr/>
         </p:nvCxnSpPr>
         <p:spPr>
-          <a:xfrm>
-            <a:off x="5020885" y="3246267"/>
-            <a:ext cx="1570814" cy="1745673"/>
+          <a:xfrm flipV="1">
+            <a:off x="5020885" y="3100646"/>
+            <a:ext cx="1247940" cy="145621"/>
           </a:xfrm>
           <a:prstGeom prst="line">
             <a:avLst/>
@@ -7836,9 +8735,9 @@
           <p:nvPr/>
         </p:nvCxnSpPr>
         <p:spPr>
-          <a:xfrm>
-            <a:off x="5020885" y="5204897"/>
-            <a:ext cx="1570814" cy="1745673"/>
+          <a:xfrm flipV="1">
+            <a:off x="5020885" y="4967926"/>
+            <a:ext cx="1247940" cy="236971"/>
           </a:xfrm>
           <a:prstGeom prst="line">
             <a:avLst/>
@@ -7877,7 +8776,7 @@
 </p:sld>
 </file>
 
-<file path=ppt/slides/slide11.xml><?xml version="1.0" encoding="utf-8"?>
+<file path=ppt/slides/slide12.xml><?xml version="1.0" encoding="utf-8"?>
 <p:sld xmlns:a="http://schemas.openxmlformats.org/drawingml/2006/main" xmlns:r="http://schemas.openxmlformats.org/officeDocument/2006/relationships" xmlns:p="http://schemas.openxmlformats.org/presentationml/2006/main">
   <p:cSld>
     <p:spTree>
@@ -7909,7 +8808,7 @@
         <p:spPr>
           <a:xfrm>
             <a:off x="838200" y="1690688"/>
-            <a:ext cx="4373880" cy="2749599"/>
+            <a:ext cx="4373880" cy="2609625"/>
           </a:xfrm>
           <a:prstGeom prst="rect">
             <a:avLst/>
@@ -8382,6 +9281,27 @@
                 <a:spcPts val="0"/>
               </a:spcAft>
             </a:pPr>
+            <a:r>
+              <a:rPr lang="en-US" sz="850" dirty="0">
+                <a:latin typeface="Courier New" panose="02070309020205020404" pitchFamily="49" charset="0"/>
+                <a:ea typeface="Calibri" panose="020F0502020204030204" pitchFamily="34" charset="0"/>
+                <a:cs typeface="Courier New" panose="02070309020205020404" pitchFamily="49" charset="0"/>
+              </a:rPr>
+              <a:t> &lt;continues&gt;</a:t>
+            </a:r>
+          </a:p>
+          <a:p>
+            <a:pPr marL="0" marR="0">
+              <a:lnSpc>
+                <a:spcPct val="107000"/>
+              </a:lnSpc>
+              <a:spcBef>
+                <a:spcPts val="0"/>
+              </a:spcBef>
+              <a:spcAft>
+                <a:spcPts val="0"/>
+              </a:spcAft>
+            </a:pPr>
             <a:endParaRPr lang="en-US" sz="850" dirty="0">
               <a:latin typeface="Courier New" panose="02070309020205020404" pitchFamily="49" charset="0"/>
               <a:ea typeface="Calibri" panose="020F0502020204030204" pitchFamily="34" charset="0"/>
@@ -8467,28 +9387,20 @@
               </a:rPr>
               <a:t> (source-type)</a:t>
             </a:r>
-          </a:p>
-          <a:p>
-            <a:pPr marL="0" marR="0">
-              <a:lnSpc>
-                <a:spcPct val="107000"/>
-              </a:lnSpc>
-              <a:spcBef>
-                <a:spcPts val="0"/>
-              </a:spcBef>
-              <a:spcAft>
-                <a:spcPts val="0"/>
-              </a:spcAft>
-            </a:pPr>
-            <a:r>
+            <a:br>
               <a:rPr lang="en-US" sz="850" dirty="0">
                 <a:effectLst/>
                 <a:latin typeface="Courier New" panose="02070309020205020404" pitchFamily="49" charset="0"/>
                 <a:ea typeface="Calibri" panose="020F0502020204030204" pitchFamily="34" charset="0"/>
                 <a:cs typeface="Courier New" panose="02070309020205020404" pitchFamily="49" charset="0"/>
               </a:rPr>
-              <a:t>    |  +--:(human)</a:t>
-            </a:r>
+            </a:br>
+            <a:endParaRPr lang="en-US" sz="850" dirty="0">
+              <a:effectLst/>
+              <a:latin typeface="Courier New" panose="02070309020205020404" pitchFamily="49" charset="0"/>
+              <a:ea typeface="Calibri" panose="020F0502020204030204" pitchFamily="34" charset="0"/>
+              <a:cs typeface="Courier New" panose="02070309020205020404" pitchFamily="49" charset="0"/>
+            </a:endParaRPr>
           </a:p>
           <a:p>
             <a:pPr marL="0" marR="0">
@@ -8504,31 +9416,18 @@
             </a:pPr>
             <a:r>
               <a:rPr lang="en-US" sz="850" dirty="0">
-                <a:effectLst/>
                 <a:latin typeface="Courier New" panose="02070309020205020404" pitchFamily="49" charset="0"/>
                 <a:ea typeface="Calibri" panose="020F0502020204030204" pitchFamily="34" charset="0"/>
                 <a:cs typeface="Courier New" panose="02070309020205020404" pitchFamily="49" charset="0"/>
               </a:rPr>
-              <a:t>    |  |  +--</a:t>
-            </a:r>
-            <a:r>
-              <a:rPr lang="en-US" sz="850" dirty="0" err="1">
-                <a:effectLst/>
-                <a:latin typeface="Courier New" panose="02070309020205020404" pitchFamily="49" charset="0"/>
-                <a:ea typeface="Calibri" panose="020F0502020204030204" pitchFamily="34" charset="0"/>
-                <a:cs typeface="Courier New" panose="02070309020205020404" pitchFamily="49" charset="0"/>
-              </a:rPr>
-              <a:t>rw</a:t>
-            </a:r>
-            <a:r>
-              <a:rPr lang="en-US" sz="850" dirty="0">
-                <a:effectLst/>
-                <a:latin typeface="Courier New" panose="02070309020205020404" pitchFamily="49" charset="0"/>
-                <a:ea typeface="Calibri" panose="020F0502020204030204" pitchFamily="34" charset="0"/>
-                <a:cs typeface="Courier New" panose="02070309020205020404" pitchFamily="49" charset="0"/>
-              </a:rPr>
-              <a:t> human        empty</a:t>
-            </a:r>
+              <a:t> &lt;continues&gt;</a:t>
+            </a:r>
+            <a:endParaRPr lang="en-US" sz="850" dirty="0">
+              <a:effectLst/>
+              <a:latin typeface="Courier New" panose="02070309020205020404" pitchFamily="49" charset="0"/>
+              <a:ea typeface="Calibri" panose="020F0502020204030204" pitchFamily="34" charset="0"/>
+              <a:cs typeface="Courier New" panose="02070309020205020404" pitchFamily="49" charset="0"/>
+            </a:endParaRPr>
           </a:p>
           <a:p>
             <a:pPr marL="0" marR="0">
@@ -8542,134 +9441,12 @@
                 <a:spcPts val="0"/>
               </a:spcAft>
             </a:pPr>
-            <a:r>
-              <a:rPr lang="en-US" sz="850" dirty="0">
-                <a:effectLst/>
-                <a:latin typeface="Courier New" panose="02070309020205020404" pitchFamily="49" charset="0"/>
-                <a:ea typeface="Calibri" panose="020F0502020204030204" pitchFamily="34" charset="0"/>
-                <a:cs typeface="Courier New" panose="02070309020205020404" pitchFamily="49" charset="0"/>
-              </a:rPr>
-              <a:t>    |  +--:(algorithm)</a:t>
-            </a:r>
-          </a:p>
-          <a:p>
-            <a:pPr marL="0" marR="0">
-              <a:lnSpc>
-                <a:spcPct val="107000"/>
-              </a:lnSpc>
-              <a:spcBef>
-                <a:spcPts val="0"/>
-              </a:spcBef>
-              <a:spcAft>
-                <a:spcPts val="0"/>
-              </a:spcAft>
-            </a:pPr>
-            <a:r>
-              <a:rPr lang="en-US" sz="850" dirty="0">
-                <a:effectLst/>
-                <a:latin typeface="Courier New" panose="02070309020205020404" pitchFamily="49" charset="0"/>
-                <a:ea typeface="Calibri" panose="020F0502020204030204" pitchFamily="34" charset="0"/>
-                <a:cs typeface="Courier New" panose="02070309020205020404" pitchFamily="49" charset="0"/>
-              </a:rPr>
-              <a:t>    |     +--</a:t>
-            </a:r>
-            <a:r>
-              <a:rPr lang="en-US" sz="850" dirty="0" err="1">
-                <a:effectLst/>
-                <a:latin typeface="Courier New" panose="02070309020205020404" pitchFamily="49" charset="0"/>
-                <a:ea typeface="Calibri" panose="020F0502020204030204" pitchFamily="34" charset="0"/>
-                <a:cs typeface="Courier New" panose="02070309020205020404" pitchFamily="49" charset="0"/>
-              </a:rPr>
-              <a:t>rw</a:t>
-            </a:r>
-            <a:r>
-              <a:rPr lang="en-US" sz="850" dirty="0">
-                <a:effectLst/>
-                <a:latin typeface="Courier New" panose="02070309020205020404" pitchFamily="49" charset="0"/>
-                <a:ea typeface="Calibri" panose="020F0502020204030204" pitchFamily="34" charset="0"/>
-                <a:cs typeface="Courier New" panose="02070309020205020404" pitchFamily="49" charset="0"/>
-              </a:rPr>
-              <a:t> algorithm    empty</a:t>
-            </a:r>
-          </a:p>
-          <a:p>
-            <a:pPr marL="0" marR="0">
-              <a:lnSpc>
-                <a:spcPct val="107000"/>
-              </a:lnSpc>
-              <a:spcBef>
-                <a:spcPts val="0"/>
-              </a:spcBef>
-              <a:spcAft>
-                <a:spcPts val="0"/>
-              </a:spcAft>
-            </a:pPr>
-            <a:r>
-              <a:rPr lang="en-US" sz="850" dirty="0">
-                <a:effectLst/>
-                <a:latin typeface="Courier New" panose="02070309020205020404" pitchFamily="49" charset="0"/>
-                <a:ea typeface="Calibri" panose="020F0502020204030204" pitchFamily="34" charset="0"/>
-                <a:cs typeface="Courier New" panose="02070309020205020404" pitchFamily="49" charset="0"/>
-              </a:rPr>
-              <a:t>    +--</a:t>
-            </a:r>
-            <a:r>
-              <a:rPr lang="en-US" sz="850" dirty="0" err="1">
-                <a:effectLst/>
-                <a:latin typeface="Courier New" panose="02070309020205020404" pitchFamily="49" charset="0"/>
-                <a:ea typeface="Calibri" panose="020F0502020204030204" pitchFamily="34" charset="0"/>
-                <a:cs typeface="Courier New" panose="02070309020205020404" pitchFamily="49" charset="0"/>
-              </a:rPr>
-              <a:t>rw</a:t>
-            </a:r>
-            <a:r>
-              <a:rPr lang="en-US" sz="850" dirty="0">
-                <a:effectLst/>
-                <a:latin typeface="Courier New" panose="02070309020205020404" pitchFamily="49" charset="0"/>
-                <a:ea typeface="Calibri" panose="020F0502020204030204" pitchFamily="34" charset="0"/>
-                <a:cs typeface="Courier New" panose="02070309020205020404" pitchFamily="49" charset="0"/>
-              </a:rPr>
-              <a:t> name?              string</a:t>
-            </a:r>
-          </a:p>
-        </p:txBody>
-      </p:sp>
-      <p:sp>
-        <p:nvSpPr>
-          <p:cNvPr id="3" name="Content Placeholder 2">
-            <a:extLst>
-              <a:ext uri="{FF2B5EF4-FFF2-40B4-BE49-F238E27FC236}">
-                <a16:creationId xmlns:a16="http://schemas.microsoft.com/office/drawing/2014/main" id="{29C0DFD4-432D-4B0C-93DF-790441DCF5B9}"/>
-              </a:ext>
-            </a:extLst>
-          </p:cNvPr>
-          <p:cNvSpPr>
-            <a:spLocks noGrp="1"/>
-          </p:cNvSpPr>
-          <p:nvPr>
-            <p:ph idx="1"/>
-          </p:nvPr>
-        </p:nvSpPr>
-        <p:spPr>
-          <a:xfrm>
-            <a:off x="6193410" y="1950737"/>
-            <a:ext cx="5229402" cy="4416814"/>
-          </a:xfrm>
-        </p:spPr>
-        <p:txBody>
-          <a:bodyPr>
-            <a:noAutofit/>
-          </a:bodyPr>
-          <a:lstStyle/>
-          <a:p>
-            <a:r>
-              <a:rPr lang="en-US" sz="1800" b="1" dirty="0"/>
-              <a:t>Text</a:t>
-            </a:r>
-            <a:endParaRPr lang="en-US" sz="1800" dirty="0"/>
-          </a:p>
-          <a:p>
-            <a:endParaRPr lang="en-US" sz="2000" dirty="0"/>
+            <a:endParaRPr lang="en-US" sz="850" dirty="0">
+              <a:effectLst/>
+              <a:latin typeface="Courier New" panose="02070309020205020404" pitchFamily="49" charset="0"/>
+              <a:ea typeface="Calibri" panose="020F0502020204030204" pitchFamily="34" charset="0"/>
+              <a:cs typeface="Courier New" panose="02070309020205020404" pitchFamily="49" charset="0"/>
+            </a:endParaRPr>
           </a:p>
         </p:txBody>
       </p:sp>
@@ -8687,8 +9464,8 @@
         </p:nvSpPr>
         <p:spPr>
           <a:xfrm>
-            <a:off x="838200" y="1853737"/>
-            <a:ext cx="4182687" cy="981601"/>
+            <a:off x="838198" y="1671540"/>
+            <a:ext cx="4182687" cy="1167039"/>
           </a:xfrm>
           <a:prstGeom prst="rect">
             <a:avLst/>
@@ -8729,92 +9506,6 @@
           </a:p>
         </p:txBody>
       </p:sp>
-      <p:cxnSp>
-        <p:nvCxnSpPr>
-          <p:cNvPr id="22" name="Straight Connector 21">
-            <a:extLst>
-              <a:ext uri="{FF2B5EF4-FFF2-40B4-BE49-F238E27FC236}">
-                <a16:creationId xmlns:a16="http://schemas.microsoft.com/office/drawing/2014/main" id="{5EE7A184-4440-4663-A713-45C43FB41FBD}"/>
-              </a:ext>
-            </a:extLst>
-          </p:cNvPr>
-          <p:cNvCxnSpPr>
-            <a:cxnSpLocks/>
-          </p:cNvCxnSpPr>
-          <p:nvPr/>
-        </p:nvCxnSpPr>
-        <p:spPr>
-          <a:xfrm>
-            <a:off x="5020885" y="2024924"/>
-            <a:ext cx="1570814" cy="1795880"/>
-          </a:xfrm>
-          <a:prstGeom prst="line">
-            <a:avLst/>
-          </a:prstGeom>
-          <a:ln w="25400">
-            <a:solidFill>
-              <a:schemeClr val="accent6"/>
-            </a:solidFill>
-          </a:ln>
-        </p:spPr>
-        <p:style>
-          <a:lnRef idx="1">
-            <a:schemeClr val="accent1"/>
-          </a:lnRef>
-          <a:fillRef idx="0">
-            <a:schemeClr val="accent1"/>
-          </a:fillRef>
-          <a:effectRef idx="0">
-            <a:schemeClr val="accent1"/>
-          </a:effectRef>
-          <a:fontRef idx="minor">
-            <a:schemeClr val="tx1"/>
-          </a:fontRef>
-        </p:style>
-      </p:cxnSp>
-      <p:cxnSp>
-        <p:nvCxnSpPr>
-          <p:cNvPr id="23" name="Straight Connector 22">
-            <a:extLst>
-              <a:ext uri="{FF2B5EF4-FFF2-40B4-BE49-F238E27FC236}">
-                <a16:creationId xmlns:a16="http://schemas.microsoft.com/office/drawing/2014/main" id="{D8988D8C-34C7-42B3-BD73-F0A5B399F9DF}"/>
-              </a:ext>
-            </a:extLst>
-          </p:cNvPr>
-          <p:cNvCxnSpPr>
-            <a:cxnSpLocks/>
-          </p:cNvCxnSpPr>
-          <p:nvPr/>
-        </p:nvCxnSpPr>
-        <p:spPr>
-          <a:xfrm>
-            <a:off x="5020885" y="4188899"/>
-            <a:ext cx="1570814" cy="1745673"/>
-          </a:xfrm>
-          <a:prstGeom prst="line">
-            <a:avLst/>
-          </a:prstGeom>
-          <a:ln w="25400">
-            <a:solidFill>
-              <a:schemeClr val="accent5"/>
-            </a:solidFill>
-          </a:ln>
-        </p:spPr>
-        <p:style>
-          <a:lnRef idx="1">
-            <a:schemeClr val="accent1"/>
-          </a:lnRef>
-          <a:fillRef idx="0">
-            <a:schemeClr val="accent1"/>
-          </a:fillRef>
-          <a:effectRef idx="0">
-            <a:schemeClr val="accent1"/>
-          </a:effectRef>
-          <a:fontRef idx="minor">
-            <a:schemeClr val="tx1"/>
-          </a:fontRef>
-        </p:style>
-      </p:cxnSp>
       <p:sp>
         <p:nvSpPr>
           <p:cNvPr id="11" name="Slide Number Placeholder 1">
@@ -8843,7 +9534,7 @@
           <a:p>
             <a:fld id="{FC4AC485-25DE-431E-B345-9C0A15BB7F8A}" type="slidenum">
               <a:rPr lang="de-CH" sz="1400" smtClean="0"/>
-              <a:t>11</a:t>
+              <a:t>12</a:t>
             </a:fld>
             <a:endParaRPr lang="de-CH" sz="1400" dirty="0"/>
           </a:p>
@@ -8879,7 +9570,7 @@
           <a:p>
             <a:r>
               <a:rPr lang="en-US" sz="2800" b="1" dirty="0"/>
-              <a:t>Semantic Metadata Annotation for Network Anomaly Detection</a:t>
+              <a:t>Annotate Analytical Data</a:t>
             </a:r>
             <a:br>
               <a:rPr lang="en-US" sz="3600" dirty="0"/>
@@ -8892,25 +9583,7 @@
                   </a:schemeClr>
                 </a:solidFill>
               </a:rPr>
-              <a:t>Annotate </a:t>
-            </a:r>
-            <a:r>
-              <a:rPr lang="en-US" sz="2700" dirty="0">
-                <a:solidFill>
-                  <a:srgbClr val="FF0000"/>
-                </a:solidFill>
-              </a:rPr>
-              <a:t>Analytical</a:t>
-            </a:r>
-            <a:r>
-              <a:rPr lang="en-US" sz="2700" dirty="0">
-                <a:solidFill>
-                  <a:schemeClr val="bg2">
-                    <a:lumMod val="75000"/>
-                  </a:schemeClr>
-                </a:solidFill>
-              </a:rPr>
-              <a:t> Data YANG Module</a:t>
+              <a:t>YANG Module</a:t>
             </a:r>
             <a:endParaRPr lang="en-US" sz="2700" dirty="0">
               <a:solidFill>
@@ -8934,8 +9607,8 @@
         </p:nvSpPr>
         <p:spPr>
           <a:xfrm>
-            <a:off x="838198" y="2835338"/>
-            <a:ext cx="4182687" cy="593662"/>
+            <a:off x="838196" y="2857727"/>
+            <a:ext cx="4182687" cy="389076"/>
           </a:xfrm>
           <a:prstGeom prst="rect">
             <a:avLst/>
@@ -8972,7 +9645,7 @@
           <a:lstStyle/>
           <a:p>
             <a:pPr algn="ctr"/>
-            <a:endParaRPr lang="de-CH"/>
+            <a:endParaRPr lang="de-CH" dirty="0"/>
           </a:p>
         </p:txBody>
       </p:sp>
@@ -8990,8 +9663,8 @@
         </p:nvSpPr>
         <p:spPr>
           <a:xfrm>
-            <a:off x="838198" y="3389496"/>
-            <a:ext cx="4182687" cy="981600"/>
+            <a:off x="838196" y="3265951"/>
+            <a:ext cx="4182687" cy="922948"/>
           </a:xfrm>
           <a:prstGeom prst="rect">
             <a:avLst/>
@@ -9034,10 +9707,10 @@
       </p:sp>
       <p:cxnSp>
         <p:nvCxnSpPr>
-          <p:cNvPr id="13" name="Straight Connector 12">
+          <p:cNvPr id="5" name="Straight Connector 4">
             <a:extLst>
               <a:ext uri="{FF2B5EF4-FFF2-40B4-BE49-F238E27FC236}">
-                <a16:creationId xmlns:a16="http://schemas.microsoft.com/office/drawing/2014/main" id="{ABDEEB90-F9DE-4579-466A-4391823DABF7}"/>
+                <a16:creationId xmlns:a16="http://schemas.microsoft.com/office/drawing/2014/main" id="{5370E270-EEB2-F115-EF4D-C97002326F18}"/>
               </a:ext>
             </a:extLst>
           </p:cNvPr>
@@ -9048,8 +9721,94 @@
         </p:nvCxnSpPr>
         <p:spPr>
           <a:xfrm>
-            <a:off x="5020885" y="3246267"/>
-            <a:ext cx="1570814" cy="1745673"/>
+            <a:off x="5020883" y="1816540"/>
+            <a:ext cx="1263539" cy="237310"/>
+          </a:xfrm>
+          <a:prstGeom prst="line">
+            <a:avLst/>
+          </a:prstGeom>
+          <a:ln w="25400">
+            <a:solidFill>
+              <a:schemeClr val="accent6"/>
+            </a:solidFill>
+          </a:ln>
+        </p:spPr>
+        <p:style>
+          <a:lnRef idx="1">
+            <a:schemeClr val="accent1"/>
+          </a:lnRef>
+          <a:fillRef idx="0">
+            <a:schemeClr val="accent1"/>
+          </a:fillRef>
+          <a:effectRef idx="0">
+            <a:schemeClr val="accent1"/>
+          </a:effectRef>
+          <a:fontRef idx="minor">
+            <a:schemeClr val="tx1"/>
+          </a:fontRef>
+        </p:style>
+      </p:cxnSp>
+      <p:cxnSp>
+        <p:nvCxnSpPr>
+          <p:cNvPr id="9" name="Straight Connector 8">
+            <a:extLst>
+              <a:ext uri="{FF2B5EF4-FFF2-40B4-BE49-F238E27FC236}">
+                <a16:creationId xmlns:a16="http://schemas.microsoft.com/office/drawing/2014/main" id="{64493AF9-D9ED-2EFA-8CC1-193009826C6B}"/>
+              </a:ext>
+            </a:extLst>
+          </p:cNvPr>
+          <p:cNvCxnSpPr>
+            <a:cxnSpLocks/>
+          </p:cNvCxnSpPr>
+          <p:nvPr/>
+        </p:nvCxnSpPr>
+        <p:spPr>
+          <a:xfrm>
+            <a:off x="5020882" y="3505853"/>
+            <a:ext cx="1263537" cy="217735"/>
+          </a:xfrm>
+          <a:prstGeom prst="line">
+            <a:avLst/>
+          </a:prstGeom>
+          <a:ln w="25400">
+            <a:solidFill>
+              <a:schemeClr val="accent5"/>
+            </a:solidFill>
+          </a:ln>
+        </p:spPr>
+        <p:style>
+          <a:lnRef idx="1">
+            <a:schemeClr val="accent1"/>
+          </a:lnRef>
+          <a:fillRef idx="0">
+            <a:schemeClr val="accent1"/>
+          </a:fillRef>
+          <a:effectRef idx="0">
+            <a:schemeClr val="accent1"/>
+          </a:effectRef>
+          <a:fontRef idx="minor">
+            <a:schemeClr val="tx1"/>
+          </a:fontRef>
+        </p:style>
+      </p:cxnSp>
+      <p:cxnSp>
+        <p:nvCxnSpPr>
+          <p:cNvPr id="10" name="Straight Connector 9">
+            <a:extLst>
+              <a:ext uri="{FF2B5EF4-FFF2-40B4-BE49-F238E27FC236}">
+                <a16:creationId xmlns:a16="http://schemas.microsoft.com/office/drawing/2014/main" id="{7AB39C7E-0F1D-FE2E-FC09-23AAF8060A41}"/>
+              </a:ext>
+            </a:extLst>
+          </p:cNvPr>
+          <p:cNvCxnSpPr>
+            <a:cxnSpLocks/>
+          </p:cNvCxnSpPr>
+          <p:nvPr/>
+        </p:nvCxnSpPr>
+        <p:spPr>
+          <a:xfrm flipV="1">
+            <a:off x="5020885" y="2762054"/>
+            <a:ext cx="1263534" cy="165736"/>
           </a:xfrm>
           <a:prstGeom prst="line">
             <a:avLst/>
@@ -9075,6 +9834,77 @@
           </a:fontRef>
         </p:style>
       </p:cxnSp>
+      <p:sp>
+        <p:nvSpPr>
+          <p:cNvPr id="20" name="Content Placeholder 2">
+            <a:extLst>
+              <a:ext uri="{FF2B5EF4-FFF2-40B4-BE49-F238E27FC236}">
+                <a16:creationId xmlns:a16="http://schemas.microsoft.com/office/drawing/2014/main" id="{E846C2CB-2A43-3B4C-BB6E-9C3ACA9B9758}"/>
+              </a:ext>
+            </a:extLst>
+          </p:cNvPr>
+          <p:cNvSpPr>
+            <a:spLocks noGrp="1"/>
+          </p:cNvSpPr>
+          <p:nvPr>
+            <p:ph idx="1"/>
+          </p:nvPr>
+        </p:nvSpPr>
+        <p:spPr>
+          <a:xfrm>
+            <a:off x="6193410" y="1928554"/>
+            <a:ext cx="5229402" cy="2260346"/>
+          </a:xfrm>
+        </p:spPr>
+        <p:txBody>
+          <a:bodyPr>
+            <a:noAutofit/>
+          </a:bodyPr>
+          <a:lstStyle/>
+          <a:p>
+            <a:r>
+              <a:rPr lang="en-US" sz="2000" b="1" dirty="0">
+                <a:solidFill>
+                  <a:srgbClr val="FF0000"/>
+                </a:solidFill>
+              </a:rPr>
+              <a:t>Incidents </a:t>
+            </a:r>
+            <a:r>
+              <a:rPr lang="en-US" sz="2000" dirty="0"/>
+              <a:t>has a unique ID and description with a start and end time and a concern score.</a:t>
+            </a:r>
+          </a:p>
+          <a:p>
+            <a:r>
+              <a:rPr lang="en-US" sz="2000" b="1" dirty="0">
+                <a:solidFill>
+                  <a:srgbClr val="FF0000"/>
+                </a:solidFill>
+              </a:rPr>
+              <a:t>Symptoms</a:t>
+            </a:r>
+            <a:r>
+              <a:rPr lang="en-US" sz="2000" dirty="0"/>
+              <a:t> describe what changed in the network for what reason and cause with which concern score from when to when.</a:t>
+            </a:r>
+          </a:p>
+          <a:p>
+            <a:r>
+              <a:rPr lang="en-US" sz="2000" b="1" dirty="0">
+                <a:solidFill>
+                  <a:srgbClr val="FF0000"/>
+                </a:solidFill>
+              </a:rPr>
+              <a:t>Source </a:t>
+            </a:r>
+            <a:r>
+              <a:rPr lang="en-US" sz="2000" dirty="0"/>
+              <a:t>describes who detected the outlier. A human or a network anomaly detection system.</a:t>
+            </a:r>
+          </a:p>
+        </p:txBody>
+      </p:sp>
     </p:spTree>
     <p:extLst>
       <p:ext uri="{BB962C8B-B14F-4D97-AF65-F5344CB8AC3E}">
@@ -9088,7 +9918,7 @@
 </p:sld>
 </file>
 
-<file path=ppt/slides/slide12.xml><?xml version="1.0" encoding="utf-8"?>
+<file path=ppt/slides/slide13.xml><?xml version="1.0" encoding="utf-8"?>
 <p:sld xmlns:a="http://schemas.openxmlformats.org/drawingml/2006/main" xmlns:r="http://schemas.openxmlformats.org/officeDocument/2006/relationships" xmlns:p="http://schemas.openxmlformats.org/presentationml/2006/main">
   <p:cSld>
     <p:spTree>
@@ -9177,12 +10007,18 @@
           <a:lstStyle/>
           <a:p>
             <a:r>
+              <a:rPr lang="en-US" sz="2000" b="1" dirty="0"/>
+              <a:t>Do you realize the benefit of having standardized semantic metadata annotation for Network Anomaly Detection and how it helps network operators, vendor and academia to collaborate?</a:t>
+            </a:r>
+          </a:p>
+          <a:p>
+            <a:r>
               <a:rPr lang="en-US" sz="2000" b="1" dirty="0">
                 <a:solidFill>
                   <a:srgbClr val="FF0000"/>
                 </a:solidFill>
               </a:rPr>
-              <a:t>Do you realize the gaps and how it could be resolved?</a:t>
+              <a:t>-&gt; What are your thoughts and comments?</a:t>
             </a:r>
             <a:endParaRPr lang="en-US" sz="2000" dirty="0">
               <a:solidFill>
@@ -9193,13 +10029,25 @@
           <a:p>
             <a:r>
               <a:rPr lang="en-US" sz="2000" dirty="0"/>
-              <a:t>This document looks for a community and working group who cares about helping network operators monitoring their networks more efficiently, have interest in Network Anomaly Detection, bridging network and data engineering, operator, vendors and academia, by writing the semantics and ontology of network symptoms for operational and analytical data.</a:t>
-            </a:r>
-          </a:p>
-          <a:p>
+              <a:t>This document looks for a community and working group who have interest in Network Anomaly Detection, bridging network and data engineering, operator, vendors and academia, by writing the </a:t>
+            </a:r>
+            <a:r>
+              <a:rPr lang="en-US" sz="2000" b="1" dirty="0">
+                <a:solidFill>
+                  <a:srgbClr val="FF0000"/>
+                </a:solidFill>
+              </a:rPr>
+              <a:t>semantics and ontology of network symptoms for operational and analytical data</a:t>
+            </a:r>
             <a:r>
               <a:rPr lang="en-US" sz="2000" dirty="0"/>
-              <a:t>This work will unveil what is missing in Network Telemetry data and provide input for other documents to enable a more detailed and holistic view from the network.</a:t>
+              <a:t>.</a:t>
+            </a:r>
+          </a:p>
+          <a:p>
+            <a:r>
+              <a:rPr lang="en-US" sz="2000" dirty="0"/>
+              <a:t>This work will unveil what is missing in Network Telemetry data and provide input for other documents to enable a more detailed and holistic view from networks.</a:t>
             </a:r>
           </a:p>
         </p:txBody>
@@ -9577,7 +10425,7 @@
           <a:p>
             <a:fld id="{FC4AC485-25DE-431E-B345-9C0A15BB7F8A}" type="slidenum">
               <a:rPr lang="de-CH" sz="1400" smtClean="0"/>
-              <a:t>12</a:t>
+              <a:t>13</a:t>
             </a:fld>
             <a:endParaRPr lang="de-CH" sz="1400" dirty="0"/>
           </a:p>
@@ -9791,7 +10639,7 @@
           <a:p>
             <a:r>
               <a:rPr lang="en-US" sz="2800" b="1" dirty="0"/>
-              <a:t>Semantic Metadata Annotation for Network Anomaly Detection</a:t>
+              <a:t>What to monitor</a:t>
             </a:r>
             <a:br>
               <a:rPr lang="en-GB" sz="3600" dirty="0"/>
@@ -9804,7 +10652,7 @@
                   </a:schemeClr>
                 </a:solidFill>
               </a:rPr>
-              <a:t>What monitor and which operational metrics we collect</a:t>
+              <a:t>Which operational metrics are collected</a:t>
             </a:r>
           </a:p>
         </p:txBody>
@@ -10354,7 +11202,7 @@
           <a:p>
             <a:r>
               <a:rPr lang="en-US" sz="2800" b="1" dirty="0"/>
-              <a:t>Semantic Metadata Annotation for Network Anomaly Detection</a:t>
+              <a:t>Why to automate monitoring</a:t>
             </a:r>
             <a:br>
               <a:rPr lang="en-GB" sz="3600" dirty="0"/>
@@ -12464,7 +13312,7 @@
           <a:p>
             <a:r>
               <a:rPr lang="en-US" sz="2800" b="1" dirty="0"/>
-              <a:t>Semantic Metadata Annotation for Network Anomaly Detection</a:t>
+              <a:t>How to organize and collaborate with data</a:t>
             </a:r>
             <a:br>
               <a:rPr lang="en-GB" sz="3600" dirty="0"/>
@@ -12572,8 +13420,8 @@
         </p:nvSpPr>
         <p:spPr bwMode="black">
           <a:xfrm>
-            <a:off x="2823598" y="1260256"/>
-            <a:ext cx="2239455" cy="2088687"/>
+            <a:off x="2823598" y="1891619"/>
+            <a:ext cx="3530068" cy="926996"/>
           </a:xfrm>
           <a:prstGeom prst="rect">
             <a:avLst/>
@@ -12797,7 +13645,7 @@
         <p:spPr bwMode="black">
           <a:xfrm>
             <a:off x="1033895" y="3414211"/>
-            <a:ext cx="5111750" cy="2842871"/>
+            <a:ext cx="5806744" cy="2842871"/>
           </a:xfrm>
           <a:prstGeom prst="rect">
             <a:avLst/>
@@ -12998,7 +13846,7 @@
           </a:lstStyle>
           <a:p>
             <a:r>
-              <a:rPr lang="en-US" sz="1800" b="1" dirty="0">
+              <a:rPr lang="en-US" b="1" dirty="0">
                 <a:solidFill>
                   <a:schemeClr val="accent6"/>
                 </a:solidFill>
@@ -13006,11 +13854,11 @@
               <a:t>For VPNs</a:t>
             </a:r>
             <a:r>
-              <a:rPr lang="en-US" sz="1800" dirty="0"/>
+              <a:rPr lang="en-US" dirty="0"/>
               <a:t>, Network Anomaly Detection </a:t>
             </a:r>
             <a:r>
-              <a:rPr lang="en-US" sz="1800" b="1" dirty="0">
+              <a:rPr lang="en-US" b="1" dirty="0">
                 <a:solidFill>
                   <a:srgbClr val="FF0000"/>
                 </a:solidFill>
@@ -13018,11 +13866,11 @@
               <a:t>constantly monitors and detects any network or device topology changes</a:t>
             </a:r>
             <a:r>
-              <a:rPr lang="en-US" sz="1800" dirty="0"/>
+              <a:rPr lang="en-US" dirty="0"/>
               <a:t>, along with their associated forwarding consequences for customers as outliers. Notifications are sent to the Network Operation Center before the customer is aware of service disruptions. </a:t>
             </a:r>
             <a:r>
-              <a:rPr lang="en-US" sz="1800" b="1" dirty="0">
+              <a:rPr lang="en-US" b="1" dirty="0">
                 <a:solidFill>
                   <a:schemeClr val="accent6"/>
                 </a:solidFill>
@@ -13030,7 +13878,7 @@
               <a:t>It offers operational metrics for in-depth analysis,</a:t>
             </a:r>
             <a:r>
-              <a:rPr lang="en-US" sz="1800" dirty="0"/>
+              <a:rPr lang="en-US" dirty="0"/>
               <a:t> allowing to understand on which platform the problem originates and facilitates problem resolution. </a:t>
             </a:r>
           </a:p>
@@ -13052,8 +13900,8 @@
         </p:nvSpPr>
         <p:spPr bwMode="black">
           <a:xfrm>
-            <a:off x="7514369" y="1734999"/>
-            <a:ext cx="4032000" cy="4842300"/>
+            <a:off x="7514368" y="1734999"/>
+            <a:ext cx="4391685" cy="4842300"/>
           </a:xfrm>
           <a:prstGeom prst="rect">
             <a:avLst/>
@@ -13254,7 +14102,7 @@
           </a:lstStyle>
           <a:p>
             <a:r>
-              <a:rPr lang="en-US" b="1" dirty="0"/>
+              <a:rPr lang="en-US" sz="1800" b="1" dirty="0"/>
               <a:t>Answers</a:t>
             </a:r>
           </a:p>
@@ -13264,17 +14112,17 @@
                 <a:spcPts val="0"/>
               </a:spcBef>
               <a:spcAft>
-                <a:spcPts val="1200"/>
+                <a:spcPts val="0"/>
               </a:spcAft>
             </a:pPr>
             <a:r>
-              <a:rPr lang="en-US" dirty="0"/>
+              <a:rPr lang="en-US" sz="1800" dirty="0"/>
               <a:t>What changed and when, on which connectivity service, and how does it impact the customers?</a:t>
             </a:r>
           </a:p>
           <a:p>
             <a:r>
-              <a:rPr lang="en-US" b="1" dirty="0"/>
+              <a:rPr lang="en-US" sz="1800" b="1" dirty="0"/>
               <a:t>Focuses</a:t>
             </a:r>
           </a:p>
@@ -13284,17 +14132,17 @@
                 <a:spcPts val="0"/>
               </a:spcBef>
               <a:spcAft>
-                <a:spcPts val="1200"/>
+                <a:spcPts val="0"/>
               </a:spcAft>
             </a:pPr>
             <a:r>
-              <a:rPr lang="en-US" dirty="0"/>
+              <a:rPr lang="en-US" sz="1800" dirty="0"/>
               <a:t>Provides meaningful connectivity service impact information before customer is aware of and support in root-cause analysis.</a:t>
             </a:r>
           </a:p>
           <a:p>
             <a:r>
-              <a:rPr lang="en-US" b="1" dirty="0"/>
+              <a:rPr lang="en-US" sz="1800" b="1" dirty="0"/>
               <a:t>Data Mesh</a:t>
             </a:r>
           </a:p>
@@ -13304,17 +14152,17 @@
                 <a:spcPts val="0"/>
               </a:spcBef>
               <a:spcAft>
-                <a:spcPts val="1200"/>
+                <a:spcPts val="0"/>
               </a:spcAft>
             </a:pPr>
             <a:r>
-              <a:rPr lang="en-US" dirty="0"/>
+              <a:rPr lang="en-US" sz="1800" dirty="0"/>
               <a:t>Consumes operational real-time Forwarding Plane, Control Plane and Management Plane metrics and produces analytical alerts.</a:t>
             </a:r>
           </a:p>
           <a:p>
             <a:r>
-              <a:rPr lang="en-US" b="1" dirty="0"/>
+              <a:rPr lang="en-US" sz="1800" b="1" dirty="0"/>
               <a:t>Direction</a:t>
             </a:r>
           </a:p>
@@ -13324,11 +14172,11 @@
                 <a:spcPts val="0"/>
               </a:spcBef>
               <a:spcAft>
-                <a:spcPts val="1200"/>
+                <a:spcPts val="0"/>
               </a:spcAft>
             </a:pPr>
             <a:r>
-              <a:rPr lang="en-US" dirty="0"/>
+              <a:rPr lang="en-US" sz="1800" dirty="0"/>
               <a:t>From connectivity service to network platform.</a:t>
             </a:r>
           </a:p>
@@ -14561,7 +15409,7 @@
           <a:p>
             <a:r>
               <a:rPr lang="en-US" sz="2800" b="1" dirty="0"/>
-              <a:t>Semantic Metadata Annotation for Network Anomaly Detection</a:t>
+              <a:t>What does Network Anomaly Detection mean</a:t>
             </a:r>
             <a:br>
               <a:rPr lang="en-US" sz="3600" dirty="0"/>
@@ -14574,7 +15422,7 @@
                   </a:schemeClr>
                 </a:solidFill>
               </a:rPr>
-              <a:t>What does Network Anomaly Detection mean?</a:t>
+              <a:t>Monitor changes</a:t>
             </a:r>
           </a:p>
         </p:txBody>
@@ -14645,278 +15493,6 @@
       </p:sp>
       <p:sp>
         <p:nvSpPr>
-          <p:cNvPr id="5" name="Inhaltsplatzhalter 2">
-            <a:extLst>
-              <a:ext uri="{FF2B5EF4-FFF2-40B4-BE49-F238E27FC236}">
-                <a16:creationId xmlns:a16="http://schemas.microsoft.com/office/drawing/2014/main" id="{0194B37B-813A-99FE-7B78-4D87D8C30D44}"/>
-              </a:ext>
-            </a:extLst>
-          </p:cNvPr>
-          <p:cNvSpPr txBox="1">
-            <a:spLocks/>
-          </p:cNvSpPr>
-          <p:nvPr/>
-        </p:nvSpPr>
-        <p:spPr bwMode="black">
-          <a:xfrm>
-            <a:off x="838200" y="2011679"/>
-            <a:ext cx="5828767" cy="4171630"/>
-          </a:xfrm>
-          <a:prstGeom prst="rect">
-            <a:avLst/>
-          </a:prstGeom>
-        </p:spPr>
-        <p:txBody>
-          <a:bodyPr wrap="square" lIns="0" tIns="0" rIns="0" bIns="0"/>
-          <a:lstStyle>
-            <a:lvl1pPr marL="0" indent="0" algn="l" defTabSz="914400" rtl="0" eaLnBrk="1" latinLnBrk="0" hangingPunct="1">
-              <a:lnSpc>
-                <a:spcPct val="110000"/>
-              </a:lnSpc>
-              <a:spcBef>
-                <a:spcPts val="600"/>
-              </a:spcBef>
-              <a:spcAft>
-                <a:spcPts val="600"/>
-              </a:spcAft>
-              <a:buFont typeface="Arial" panose="020B0604020202020204" pitchFamily="34" charset="0"/>
-              <a:buNone/>
-              <a:defRPr sz="2000" b="0" kern="1200">
-                <a:solidFill>
-                  <a:schemeClr val="tx1"/>
-                </a:solidFill>
-                <a:latin typeface="+mn-lt"/>
-                <a:ea typeface="+mn-ea"/>
-                <a:cs typeface="+mn-cs"/>
-              </a:defRPr>
-            </a:lvl1pPr>
-            <a:lvl2pPr marL="216000" indent="-216000" algn="l" defTabSz="914400" rtl="0" eaLnBrk="1" latinLnBrk="0" hangingPunct="1">
-              <a:lnSpc>
-                <a:spcPct val="110000"/>
-              </a:lnSpc>
-              <a:spcBef>
-                <a:spcPts val="200"/>
-              </a:spcBef>
-              <a:spcAft>
-                <a:spcPts val="200"/>
-              </a:spcAft>
-              <a:buFont typeface="Arial" panose="020B0604020202020204" pitchFamily="34" charset="0"/>
-              <a:buChar char="•"/>
-              <a:defRPr sz="2000" kern="1200">
-                <a:solidFill>
-                  <a:schemeClr val="tx1"/>
-                </a:solidFill>
-                <a:latin typeface="+mn-lt"/>
-                <a:ea typeface="+mn-ea"/>
-                <a:cs typeface="+mn-cs"/>
-              </a:defRPr>
-            </a:lvl2pPr>
-            <a:lvl3pPr marL="504000" indent="-288000" algn="l" defTabSz="914400" rtl="0" eaLnBrk="1" latinLnBrk="0" hangingPunct="1">
-              <a:lnSpc>
-                <a:spcPct val="110000"/>
-              </a:lnSpc>
-              <a:spcBef>
-                <a:spcPts val="200"/>
-              </a:spcBef>
-              <a:spcAft>
-                <a:spcPts val="200"/>
-              </a:spcAft>
-              <a:buFont typeface="TheSans Swisscom Light" panose="020B0300040303060204" pitchFamily="34" charset="0"/>
-              <a:buChar char="−"/>
-              <a:defRPr sz="2000" kern="1200">
-                <a:solidFill>
-                  <a:schemeClr val="tx1"/>
-                </a:solidFill>
-                <a:latin typeface="+mn-lt"/>
-                <a:ea typeface="+mn-ea"/>
-                <a:cs typeface="+mn-cs"/>
-              </a:defRPr>
-            </a:lvl3pPr>
-            <a:lvl4pPr marL="792000" indent="-288000" algn="l" defTabSz="914400" rtl="0" eaLnBrk="1" latinLnBrk="0" hangingPunct="1">
-              <a:lnSpc>
-                <a:spcPct val="110000"/>
-              </a:lnSpc>
-              <a:spcBef>
-                <a:spcPts val="200"/>
-              </a:spcBef>
-              <a:spcAft>
-                <a:spcPts val="200"/>
-              </a:spcAft>
-              <a:buFont typeface="TheSans Swisscom Light" panose="020B0300040303060204" pitchFamily="34" charset="0"/>
-              <a:buChar char="−"/>
-              <a:defRPr sz="2000" kern="1200">
-                <a:solidFill>
-                  <a:schemeClr val="tx1"/>
-                </a:solidFill>
-                <a:latin typeface="+mn-lt"/>
-                <a:ea typeface="+mn-ea"/>
-                <a:cs typeface="+mn-cs"/>
-              </a:defRPr>
-            </a:lvl4pPr>
-            <a:lvl5pPr marL="792000" indent="-288000" algn="l" defTabSz="914400" rtl="0" eaLnBrk="1" latinLnBrk="0" hangingPunct="1">
-              <a:lnSpc>
-                <a:spcPct val="110000"/>
-              </a:lnSpc>
-              <a:spcBef>
-                <a:spcPts val="200"/>
-              </a:spcBef>
-              <a:spcAft>
-                <a:spcPts val="200"/>
-              </a:spcAft>
-              <a:buFont typeface="TheSans Swisscom Light" panose="020B0300040303060204" pitchFamily="34" charset="0"/>
-              <a:buChar char="−"/>
-              <a:defRPr sz="2000" kern="1200">
-                <a:solidFill>
-                  <a:schemeClr val="tx1"/>
-                </a:solidFill>
-                <a:latin typeface="+mn-lt"/>
-                <a:ea typeface="+mn-ea"/>
-                <a:cs typeface="+mn-cs"/>
-              </a:defRPr>
-            </a:lvl5pPr>
-            <a:lvl6pPr marL="792000" indent="-288000" algn="l" defTabSz="914400" rtl="0" eaLnBrk="1" latinLnBrk="0" hangingPunct="1">
-              <a:lnSpc>
-                <a:spcPct val="110000"/>
-              </a:lnSpc>
-              <a:spcBef>
-                <a:spcPts val="200"/>
-              </a:spcBef>
-              <a:spcAft>
-                <a:spcPts val="200"/>
-              </a:spcAft>
-              <a:buFont typeface="TheSans Swisscom Light" panose="020B0300040303060204" pitchFamily="34" charset="0"/>
-              <a:buChar char="−"/>
-              <a:defRPr sz="2000" kern="1200">
-                <a:solidFill>
-                  <a:schemeClr val="tx1"/>
-                </a:solidFill>
-                <a:latin typeface="+mn-lt"/>
-                <a:ea typeface="+mn-ea"/>
-                <a:cs typeface="+mn-cs"/>
-              </a:defRPr>
-            </a:lvl6pPr>
-            <a:lvl7pPr marL="792000" indent="-288000" algn="l" defTabSz="914400" rtl="0" eaLnBrk="1" latinLnBrk="0" hangingPunct="1">
-              <a:lnSpc>
-                <a:spcPct val="110000"/>
-              </a:lnSpc>
-              <a:spcBef>
-                <a:spcPts val="200"/>
-              </a:spcBef>
-              <a:spcAft>
-                <a:spcPts val="200"/>
-              </a:spcAft>
-              <a:buFont typeface="TheSans Swisscom Light" panose="020B0300040303060204" pitchFamily="34" charset="0"/>
-              <a:buChar char="−"/>
-              <a:defRPr sz="2000" kern="1200">
-                <a:solidFill>
-                  <a:schemeClr val="tx1"/>
-                </a:solidFill>
-                <a:latin typeface="+mn-lt"/>
-                <a:ea typeface="+mn-ea"/>
-                <a:cs typeface="+mn-cs"/>
-              </a:defRPr>
-            </a:lvl7pPr>
-            <a:lvl8pPr marL="792000" indent="-288000" algn="l" defTabSz="914400" rtl="0" eaLnBrk="1" latinLnBrk="0" hangingPunct="1">
-              <a:lnSpc>
-                <a:spcPct val="110000"/>
-              </a:lnSpc>
-              <a:spcBef>
-                <a:spcPts val="200"/>
-              </a:spcBef>
-              <a:spcAft>
-                <a:spcPts val="200"/>
-              </a:spcAft>
-              <a:buFont typeface="TheSans Swisscom Light" panose="020B0300040303060204" pitchFamily="34" charset="0"/>
-              <a:buChar char="−"/>
-              <a:defRPr sz="2000" kern="1200">
-                <a:solidFill>
-                  <a:schemeClr val="tx1"/>
-                </a:solidFill>
-                <a:latin typeface="+mn-lt"/>
-                <a:ea typeface="+mn-ea"/>
-                <a:cs typeface="+mn-cs"/>
-              </a:defRPr>
-            </a:lvl8pPr>
-            <a:lvl9pPr marL="792000" indent="-288000" algn="l" defTabSz="914400" rtl="0" eaLnBrk="1" latinLnBrk="0" hangingPunct="1">
-              <a:lnSpc>
-                <a:spcPct val="110000"/>
-              </a:lnSpc>
-              <a:spcBef>
-                <a:spcPts val="200"/>
-              </a:spcBef>
-              <a:spcAft>
-                <a:spcPts val="200"/>
-              </a:spcAft>
-              <a:buFont typeface="TheSans Swisscom Light" panose="020B0300040303060204" pitchFamily="34" charset="0"/>
-              <a:buChar char="−"/>
-              <a:defRPr sz="2000" kern="1200">
-                <a:solidFill>
-                  <a:schemeClr val="tx1"/>
-                </a:solidFill>
-                <a:latin typeface="+mn-lt"/>
-                <a:ea typeface="+mn-ea"/>
-                <a:cs typeface="+mn-cs"/>
-              </a:defRPr>
-            </a:lvl9pPr>
-          </a:lstStyle>
-          <a:p>
-            <a:r>
-              <a:rPr lang="en-US" sz="1800" dirty="0"/>
-              <a:t>From network incidents postmortems we network operators </a:t>
-            </a:r>
-            <a:r>
-              <a:rPr lang="en-US" sz="1800" b="1" dirty="0">
-                <a:solidFill>
-                  <a:srgbClr val="FF0000"/>
-                </a:solidFill>
-              </a:rPr>
-              <a:t>learn and improve</a:t>
-            </a:r>
-            <a:r>
-              <a:rPr lang="en-US" sz="1800" dirty="0"/>
-              <a:t>, so does network anomaly detection and supervised and semi-supervised machine learning.</a:t>
-            </a:r>
-          </a:p>
-          <a:p>
-            <a:r>
-              <a:rPr lang="en-US" sz="1800" dirty="0"/>
-              <a:t>The more network incidents are observed, the more we can improve. With more incidents the </a:t>
-            </a:r>
-            <a:r>
-              <a:rPr lang="en-US" sz="1800" b="1" dirty="0">
-                <a:solidFill>
-                  <a:srgbClr val="FF0000"/>
-                </a:solidFill>
-              </a:rPr>
-              <a:t>postmortem process needs be automated, let's get organized </a:t>
-            </a:r>
-            <a:r>
-              <a:rPr lang="en-US" sz="1800" dirty="0"/>
-              <a:t>first by defining human and machine-readable metadata semantics and annotate operational and analytical data.</a:t>
-            </a:r>
-          </a:p>
-          <a:p>
-            <a:r>
-              <a:rPr lang="en-US" sz="1800" dirty="0"/>
-              <a:t>Let's get further organized by exchanging standardized labeled network incident data among network operators, vendors and academia to </a:t>
-            </a:r>
-            <a:r>
-              <a:rPr lang="en-US" sz="1800" b="1" dirty="0">
-                <a:solidFill>
-                  <a:srgbClr val="FF0000"/>
-                </a:solidFill>
-              </a:rPr>
-              <a:t>collaborate on academic research</a:t>
-            </a:r>
-            <a:r>
-              <a:rPr lang="en-US" sz="1800" dirty="0"/>
-              <a:t>.</a:t>
-            </a:r>
-          </a:p>
-        </p:txBody>
-      </p:sp>
-      <p:sp>
-        <p:nvSpPr>
           <p:cNvPr id="18" name="TextBox 17">
             <a:extLst>
               <a:ext uri="{FF2B5EF4-FFF2-40B4-BE49-F238E27FC236}">
@@ -14929,8 +15505,8 @@
         </p:nvSpPr>
         <p:spPr>
           <a:xfrm>
-            <a:off x="7020792" y="2365150"/>
-            <a:ext cx="4333008" cy="2308324"/>
+            <a:off x="725763" y="2548029"/>
+            <a:ext cx="3999316" cy="2739211"/>
           </a:xfrm>
           <a:prstGeom prst="rect">
             <a:avLst/>
@@ -14960,28 +15536,8 @@
               <a:t> </a:t>
             </a:r>
             <a:r>
-              <a:rPr lang="en-US" sz="2800" dirty="0">
-                <a:solidFill>
-                  <a:schemeClr val="accent6"/>
-                </a:solidFill>
-              </a:rPr>
-              <a:t>The community working on Network Anomaly Detection </a:t>
-            </a:r>
-            <a:r>
               <a:rPr lang="en-US" sz="2800" dirty="0"/>
-              <a:t>is probably the only group </a:t>
-            </a:r>
-            <a:r>
-              <a:rPr lang="en-US" sz="2800" dirty="0">
-                <a:solidFill>
-                  <a:srgbClr val="FF0000"/>
-                </a:solidFill>
-              </a:rPr>
-              <a:t>wishing for more network incidents</a:t>
-            </a:r>
-            <a:r>
-              <a:rPr lang="en-US" sz="2800" dirty="0"/>
-              <a:t> </a:t>
+              <a:t>A more detailed paper was submitted in November 2023 to IEEE Transactions on Network and Service Management</a:t>
             </a:r>
             <a:r>
               <a:rPr lang="de-CH" sz="3000" b="1" dirty="0">
@@ -15025,7 +15581,7 @@
           <a:p>
             <a:r>
               <a:rPr lang="en-US" sz="2800" b="1" dirty="0"/>
-              <a:t>Semantic Metadata Annotation for Network Anomaly Detection</a:t>
+              <a:t>Presented in ANRW 2023</a:t>
             </a:r>
             <a:br>
               <a:rPr lang="en-US" sz="3600" dirty="0"/>
@@ -15038,19 +15594,46 @@
                   </a:schemeClr>
                 </a:solidFill>
               </a:rPr>
-              <a:t>Our </a:t>
-            </a:r>
-            <a:r>
-              <a:rPr lang="en-US" sz="2700" dirty="0">
-                <a:solidFill>
-                  <a:srgbClr val="FF0000"/>
-                </a:solidFill>
-              </a:rPr>
-              <a:t>Motivation</a:t>
-            </a:r>
+              <a:t>At IETF 117 San Francisco</a:t>
+            </a:r>
+            <a:endParaRPr lang="en-US" sz="2700" dirty="0">
+              <a:solidFill>
+                <a:srgbClr val="FF0000"/>
+              </a:solidFill>
+            </a:endParaRPr>
           </a:p>
         </p:txBody>
       </p:sp>
+      <p:pic>
+        <p:nvPicPr>
+          <p:cNvPr id="3" name="Picture 2">
+            <a:extLst>
+              <a:ext uri="{FF2B5EF4-FFF2-40B4-BE49-F238E27FC236}">
+                <a16:creationId xmlns:a16="http://schemas.microsoft.com/office/drawing/2014/main" id="{D273520C-C3FB-5F5E-ED45-63CDDF11C749}"/>
+              </a:ext>
+            </a:extLst>
+          </p:cNvPr>
+          <p:cNvPicPr>
+            <a:picLocks noChangeAspect="1"/>
+          </p:cNvPicPr>
+          <p:nvPr/>
+        </p:nvPicPr>
+        <p:blipFill>
+          <a:blip r:embed="rId2"/>
+          <a:stretch>
+            <a:fillRect/>
+          </a:stretch>
+        </p:blipFill>
+        <p:spPr>
+          <a:xfrm>
+            <a:off x="5753770" y="611521"/>
+            <a:ext cx="5600030" cy="5634957"/>
+          </a:xfrm>
+          <a:prstGeom prst="rect">
+            <a:avLst/>
+          </a:prstGeom>
+        </p:spPr>
+      </p:pic>
     </p:spTree>
     <p:extLst>
       <p:ext uri="{BB962C8B-B14F-4D97-AF65-F5344CB8AC3E}">
@@ -15131,8 +15714,8 @@
         </p:nvSpPr>
         <p:spPr bwMode="black">
           <a:xfrm>
-            <a:off x="838200" y="2011679"/>
-            <a:ext cx="5828767" cy="4171630"/>
+            <a:off x="961533" y="2011679"/>
+            <a:ext cx="6363093" cy="4171630"/>
           </a:xfrm>
           <a:prstGeom prst="rect">
             <a:avLst/>
@@ -15333,68 +15916,56 @@
           </a:lstStyle>
           <a:p>
             <a:r>
-              <a:rPr lang="en-US" sz="1800" b="1" dirty="0">
+              <a:rPr lang="en-US" dirty="0"/>
+              <a:t>From network incidents postmortems we network operators </a:t>
+            </a:r>
+            <a:r>
+              <a:rPr lang="en-US" b="1" dirty="0">
                 <a:solidFill>
                   <a:srgbClr val="FF0000"/>
                 </a:solidFill>
               </a:rPr>
-              <a:t>Global outliers:  </a:t>
-            </a:r>
-            <a:r>
-              <a:rPr lang="en-US" sz="1800" dirty="0"/>
-              <a:t>An outlier is considered "global" if its </a:t>
-            </a:r>
-            <a:r>
-              <a:rPr lang="en-US" sz="1800" dirty="0" err="1"/>
-              <a:t>behaviour</a:t>
-            </a:r>
-            <a:r>
-              <a:rPr lang="en-US" sz="1800" dirty="0"/>
-              <a:t> is outside the entirety of the considered data set.</a:t>
-            </a:r>
-          </a:p>
-          <a:p>
-            <a:r>
-              <a:rPr lang="en-US" sz="1800" b="1" dirty="0">
+              <a:t>learn and improve</a:t>
+            </a:r>
+            <a:r>
+              <a:rPr lang="en-US" dirty="0"/>
+              <a:t>, so does network anomaly detection and supervised and semi-supervised machine learning.</a:t>
+            </a:r>
+          </a:p>
+          <a:p>
+            <a:r>
+              <a:rPr lang="en-US" dirty="0"/>
+              <a:t>The more network incidents are observed, the more we can improve. With more incidents the </a:t>
+            </a:r>
+            <a:r>
+              <a:rPr lang="en-US" b="1" dirty="0">
                 <a:solidFill>
                   <a:srgbClr val="FF0000"/>
                 </a:solidFill>
               </a:rPr>
-              <a:t>Contextual outliers:  </a:t>
-            </a:r>
-            <a:r>
-              <a:rPr lang="en-US" sz="1800" dirty="0"/>
-              <a:t>An outlier is considered "contextual" if its </a:t>
-            </a:r>
-            <a:r>
-              <a:rPr lang="en-US" sz="1800" dirty="0" err="1"/>
-              <a:t>behaviour</a:t>
-            </a:r>
-            <a:r>
-              <a:rPr lang="en-US" sz="1800" dirty="0"/>
-              <a:t> is within a normal (expected) range, but it would not be expected based on some context.  Context can be defined as a function of multiple parameters, such as time, location, etc.</a:t>
-            </a:r>
-          </a:p>
-          <a:p>
-            <a:r>
-              <a:rPr lang="en-US" sz="1800" b="1" dirty="0">
+              <a:t>postmortem process needs be automated, let's get organized </a:t>
+            </a:r>
+            <a:r>
+              <a:rPr lang="en-US" dirty="0"/>
+              <a:t>first by defining human and machine-readable metadata semantics and annotate operational and analytical data.</a:t>
+            </a:r>
+          </a:p>
+          <a:p>
+            <a:r>
+              <a:rPr lang="en-US" dirty="0"/>
+              <a:t>Let's get further organized by exchanging standardized labeled network incident data among network operators, vendors and academia to </a:t>
+            </a:r>
+            <a:r>
+              <a:rPr lang="en-US" b="1" dirty="0">
                 <a:solidFill>
                   <a:srgbClr val="FF0000"/>
                 </a:solidFill>
               </a:rPr>
-              <a:t>Collective outliers:  </a:t>
-            </a:r>
-            <a:r>
-              <a:rPr lang="en-US" sz="1800" dirty="0"/>
-              <a:t>An outlier is considered "collective" if the </a:t>
-            </a:r>
-            <a:r>
-              <a:rPr lang="en-US" sz="1800" dirty="0" err="1"/>
-              <a:t>behaviour</a:t>
-            </a:r>
-            <a:r>
-              <a:rPr lang="en-US" sz="1800" dirty="0"/>
-              <a:t> of each single data point that are part of the anomaly are within expected ranges (so they are not anomalous it either a contextual or a global sense), but the group, taking all the data points together, is.</a:t>
+              <a:t>collaborate on academic research</a:t>
+            </a:r>
+            <a:r>
+              <a:rPr lang="en-US" dirty="0"/>
+              <a:t>.</a:t>
             </a:r>
           </a:p>
         </p:txBody>
@@ -15413,8 +15984,8 @@
         </p:nvSpPr>
         <p:spPr>
           <a:xfrm>
-            <a:off x="7020792" y="2365150"/>
-            <a:ext cx="4333008" cy="2862322"/>
+            <a:off x="7588576" y="2365150"/>
+            <a:ext cx="3999316" cy="2308324"/>
           </a:xfrm>
           <a:prstGeom prst="rect">
             <a:avLst/>
@@ -15432,61 +16003,40 @@
               <a:rPr lang="en-US" sz="3000" b="1" dirty="0">
                 <a:latin typeface="+mj-lt"/>
               </a:rPr>
-              <a:t>« </a:t>
-            </a:r>
-            <a:r>
-              <a:rPr lang="en-US" sz="3000" b="1" dirty="0">
+              <a:t>«</a:t>
+            </a:r>
+            <a:r>
+              <a:rPr lang="en-US" sz="2800" b="1" dirty="0">
+                <a:solidFill>
+                  <a:schemeClr val="accent6"/>
+                </a:solidFill>
+                <a:latin typeface="+mj-lt"/>
+              </a:rPr>
+              <a:t> </a:t>
+            </a:r>
+            <a:r>
+              <a:rPr lang="en-US" sz="2800" dirty="0">
+                <a:solidFill>
+                  <a:schemeClr val="accent6"/>
+                </a:solidFill>
+              </a:rPr>
+              <a:t>The community working on Network Anomaly Detection </a:t>
+            </a:r>
+            <a:r>
+              <a:rPr lang="en-US" sz="2800" dirty="0"/>
+              <a:t>is probably the only group </a:t>
+            </a:r>
+            <a:r>
+              <a:rPr lang="en-US" sz="2800" dirty="0">
                 <a:solidFill>
                   <a:srgbClr val="FF0000"/>
                 </a:solidFill>
-                <a:latin typeface="+mj-lt"/>
-              </a:rPr>
-              <a:t>Collective outliers </a:t>
-            </a:r>
-            <a:r>
-              <a:rPr lang="en-US" sz="3000" b="1" dirty="0">
-                <a:latin typeface="+mj-lt"/>
-              </a:rPr>
-              <a:t>are important since networks are connected. Through </a:t>
-            </a:r>
-            <a:r>
-              <a:rPr lang="en-US" sz="3000" b="1" dirty="0">
-                <a:solidFill>
-                  <a:schemeClr val="accent6"/>
-                </a:solidFill>
-                <a:latin typeface="+mj-lt"/>
-              </a:rPr>
-              <a:t>different planes </a:t>
-            </a:r>
-            <a:r>
-              <a:rPr lang="en-US" sz="3000" b="1" dirty="0">
-                <a:latin typeface="+mj-lt"/>
-              </a:rPr>
-              <a:t>we observe </a:t>
-            </a:r>
-            <a:r>
-              <a:rPr lang="en-US" sz="3000" b="1" dirty="0">
-                <a:solidFill>
-                  <a:srgbClr val="FF0000"/>
-                </a:solidFill>
-                <a:latin typeface="+mj-lt"/>
-              </a:rPr>
-              <a:t>interconnected</a:t>
-            </a:r>
-            <a:r>
-              <a:rPr lang="en-US" sz="3000" b="1" dirty="0">
-                <a:latin typeface="+mj-lt"/>
-              </a:rPr>
-              <a:t> symptoms </a:t>
-            </a:r>
-            <a:r>
-              <a:rPr lang="en-US" sz="3000" b="1" dirty="0">
-                <a:solidFill>
-                  <a:schemeClr val="accent6"/>
-                </a:solidFill>
-                <a:latin typeface="+mj-lt"/>
-              </a:rPr>
-              <a:t>from various angles </a:t>
+              </a:rPr>
+              <a:t>wishing for more network incidents</a:t>
+            </a:r>
+            <a:r>
+              <a:rPr lang="en-US" sz="2800" dirty="0"/>
+              <a:t> </a:t>
             </a:r>
             <a:r>
               <a:rPr lang="de-CH" sz="3000" b="1" dirty="0">
@@ -15530,7 +16080,7 @@
           <a:p>
             <a:r>
               <a:rPr lang="en-US" sz="2800" b="1" dirty="0"/>
-              <a:t>Semantic Metadata Annotation for Network Anomaly Detection</a:t>
+              <a:t>What our motivation is</a:t>
             </a:r>
             <a:br>
               <a:rPr lang="en-US" sz="3600" dirty="0"/>
@@ -15543,43 +16093,7 @@
                   </a:schemeClr>
                 </a:solidFill>
               </a:rPr>
-              <a:t>What is an </a:t>
-            </a:r>
-            <a:r>
-              <a:rPr lang="en-US" sz="2700" dirty="0">
-                <a:solidFill>
-                  <a:srgbClr val="FF0000"/>
-                </a:solidFill>
-              </a:rPr>
-              <a:t>outlier</a:t>
-            </a:r>
-            <a:r>
-              <a:rPr lang="en-US" sz="2700" dirty="0">
-                <a:solidFill>
-                  <a:schemeClr val="bg2">
-                    <a:lumMod val="75000"/>
-                  </a:schemeClr>
-                </a:solidFill>
-              </a:rPr>
-              <a:t> and how do we </a:t>
-            </a:r>
-            <a:r>
-              <a:rPr lang="en-US" sz="2700" dirty="0">
-                <a:solidFill>
-                  <a:schemeClr val="accent6"/>
-                </a:solidFill>
-              </a:rPr>
-              <a:t>categorize</a:t>
-            </a:r>
-            <a:r>
-              <a:rPr lang="en-US" sz="2700" dirty="0">
-                <a:solidFill>
-                  <a:schemeClr val="bg2">
-                    <a:lumMod val="75000"/>
-                  </a:schemeClr>
-                </a:solidFill>
-              </a:rPr>
-              <a:t> them</a:t>
+              <a:t>Automate learn and improve</a:t>
             </a:r>
           </a:p>
         </p:txBody>
@@ -15587,7 +16101,7 @@
     </p:spTree>
     <p:extLst>
       <p:ext uri="{BB962C8B-B14F-4D97-AF65-F5344CB8AC3E}">
-        <p14:creationId xmlns:p14="http://schemas.microsoft.com/office/powerpoint/2010/main" val="4235116615"/>
+        <p14:creationId xmlns:p14="http://schemas.microsoft.com/office/powerpoint/2010/main" val="3864283889"/>
       </p:ext>
     </p:extLst>
   </p:cSld>
@@ -15664,8 +16178,8 @@
         </p:nvSpPr>
         <p:spPr bwMode="black">
           <a:xfrm>
-            <a:off x="838200" y="2011679"/>
-            <a:ext cx="5828767" cy="4171630"/>
+            <a:off x="960120" y="2011679"/>
+            <a:ext cx="6364224" cy="4171630"/>
           </a:xfrm>
           <a:prstGeom prst="rect">
             <a:avLst/>
@@ -15866,44 +16380,44 @@
           </a:lstStyle>
           <a:p>
             <a:r>
-              <a:rPr lang="en-US" sz="1800" b="1" dirty="0">
+              <a:rPr lang="en-US" b="1" dirty="0">
                 <a:solidFill>
                   <a:srgbClr val="FF0000"/>
                 </a:solidFill>
               </a:rPr>
-              <a:t>Action: </a:t>
-            </a:r>
-            <a:r>
-              <a:rPr lang="en-US" sz="1800" dirty="0"/>
-              <a:t>Which action the network node performed for a packet in the forwarding plane, a path or adjacency in the control plane or state or statistical changes in the management plane.</a:t>
-            </a:r>
-          </a:p>
-          <a:p>
-            <a:r>
-              <a:rPr lang="en-US" sz="1800" b="1" dirty="0">
+              <a:t>Global outliers:  </a:t>
+            </a:r>
+            <a:r>
+              <a:rPr lang="en-US" dirty="0"/>
+              <a:t>An outlier is considered "global" if its behavior is outside the entirety of the considered data set.</a:t>
+            </a:r>
+          </a:p>
+          <a:p>
+            <a:r>
+              <a:rPr lang="en-US" b="1" dirty="0">
                 <a:solidFill>
                   <a:srgbClr val="FF0000"/>
                 </a:solidFill>
               </a:rPr>
-              <a:t>Reason: </a:t>
-            </a:r>
-            <a:r>
-              <a:rPr lang="en-US" sz="1800" dirty="0"/>
-              <a:t>For each action one or more reasons describing why this action was used. From drop unreachable, administered, and corrupt in forwarding plane, to reachability withdraw and adjacency teared down in control plane, to Interface down, errors or discard in management plane.</a:t>
-            </a:r>
-          </a:p>
-          <a:p>
-            <a:r>
-              <a:rPr lang="en-US" sz="1800" b="1" dirty="0">
+              <a:t>Contextual outliers:  </a:t>
+            </a:r>
+            <a:r>
+              <a:rPr lang="en-US" dirty="0"/>
+              <a:t>An outlier is considered "contextual" if its behavior is within a normal (expected) range, but it would not be expected based on some context.  Context can be defined as a function of multiple parameters, such as time, location, etc.</a:t>
+            </a:r>
+          </a:p>
+          <a:p>
+            <a:r>
+              <a:rPr lang="en-US" b="1" dirty="0">
                 <a:solidFill>
                   <a:srgbClr val="FF0000"/>
                 </a:solidFill>
               </a:rPr>
-              <a:t>Relation: </a:t>
-            </a:r>
-            <a:r>
-              <a:rPr lang="en-US" sz="1800" dirty="0"/>
-              <a:t>For each reason one or more relation describes the cause why the action was chosen. From missing next-hop and link-layer information in forwarding plane, to reachability withdrawn due to peer down or path no longer redistributed.</a:t>
+              <a:t>Collective outliers:  </a:t>
+            </a:r>
+            <a:r>
+              <a:rPr lang="en-US" dirty="0"/>
+              <a:t>An outlier is considered "collective" if the behavior of each single data point that are part of the anomaly are within expected ranges (so they are not anomalous it either a contextual or a global sense), but the group, taking all the data points together, is.</a:t>
             </a:r>
           </a:p>
         </p:txBody>
@@ -15922,8 +16436,8 @@
         </p:nvSpPr>
         <p:spPr>
           <a:xfrm>
-            <a:off x="7020792" y="2365150"/>
-            <a:ext cx="4333008" cy="2400657"/>
+            <a:off x="7589520" y="2365150"/>
+            <a:ext cx="4404495" cy="3323987"/>
           </a:xfrm>
           <a:prstGeom prst="rect">
             <a:avLst/>
@@ -15941,22 +16455,22 @@
               <a:rPr lang="en-US" sz="3000" b="1" dirty="0">
                 <a:latin typeface="+mj-lt"/>
               </a:rPr>
-              <a:t>« Symptoms are categorized in </a:t>
+              <a:t>« </a:t>
             </a:r>
             <a:r>
               <a:rPr lang="en-US" sz="3000" b="1" dirty="0">
                 <a:solidFill>
-                  <a:schemeClr val="accent6"/>
+                  <a:srgbClr val="FF0000"/>
                 </a:solidFill>
                 <a:latin typeface="+mj-lt"/>
               </a:rPr>
-              <a:t>which plane</a:t>
+              <a:t>Collective outliers </a:t>
             </a:r>
             <a:r>
               <a:rPr lang="en-US" sz="3000" b="1" dirty="0">
                 <a:latin typeface="+mj-lt"/>
               </a:rPr>
-              <a:t> they have been </a:t>
+              <a:t>are important because networks are connected. Through </a:t>
             </a:r>
             <a:r>
               <a:rPr lang="en-US" sz="3000" b="1" dirty="0">
@@ -15965,22 +16479,46 @@
                 </a:solidFill>
                 <a:latin typeface="+mj-lt"/>
               </a:rPr>
-              <a:t>observed</a:t>
+              <a:t>different planes </a:t>
+            </a:r>
+            <a:r>
+              <a:rPr lang="en-US" sz="3000" b="1" dirty="0">
+                <a:solidFill>
+                  <a:srgbClr val="FF0000"/>
+                </a:solidFill>
+                <a:latin typeface="+mj-lt"/>
+              </a:rPr>
+              <a:t>interconnected</a:t>
             </a:r>
             <a:r>
               <a:rPr lang="en-US" sz="3000" b="1" dirty="0">
                 <a:latin typeface="+mj-lt"/>
               </a:rPr>
-              <a:t>, their </a:t>
+              <a:t> symptoms </a:t>
             </a:r>
             <a:r>
               <a:rPr lang="en-US" sz="3000" b="1" dirty="0">
                 <a:solidFill>
-                  <a:srgbClr val="FF0000"/>
+                  <a:schemeClr val="accent6"/>
                 </a:solidFill>
                 <a:latin typeface="+mj-lt"/>
               </a:rPr>
-              <a:t>action, reason and cause </a:t>
+              <a:t>from various angles </a:t>
+            </a:r>
+            <a:r>
+              <a:rPr lang="en-US" sz="3000" b="1" dirty="0">
+                <a:latin typeface="+mj-lt"/>
+              </a:rPr>
+              <a:t>can be observed</a:t>
+            </a:r>
+            <a:r>
+              <a:rPr lang="en-US" sz="3000" b="1" dirty="0">
+                <a:solidFill>
+                  <a:schemeClr val="accent6"/>
+                </a:solidFill>
+                <a:latin typeface="+mj-lt"/>
+              </a:rPr>
+              <a:t> </a:t>
             </a:r>
             <a:r>
               <a:rPr lang="de-CH" sz="3000" b="1" dirty="0">
@@ -16024,7 +16562,7 @@
           <a:p>
             <a:r>
               <a:rPr lang="en-US" sz="2800" b="1" dirty="0"/>
-              <a:t>Semantic Metadata Annotation for Network Anomaly Detection</a:t>
+              <a:t>What is an outlier and how to categorize them</a:t>
             </a:r>
             <a:br>
               <a:rPr lang="en-US" sz="3600" dirty="0"/>
@@ -16037,43 +16575,7 @@
                   </a:schemeClr>
                 </a:solidFill>
               </a:rPr>
-              <a:t>What is a </a:t>
-            </a:r>
-            <a:r>
-              <a:rPr lang="en-US" sz="2700" dirty="0">
-                <a:solidFill>
-                  <a:srgbClr val="FF0000"/>
-                </a:solidFill>
-              </a:rPr>
-              <a:t>symptom</a:t>
-            </a:r>
-            <a:r>
-              <a:rPr lang="en-US" sz="2700" dirty="0">
-                <a:solidFill>
-                  <a:schemeClr val="bg2">
-                    <a:lumMod val="75000"/>
-                  </a:schemeClr>
-                </a:solidFill>
-              </a:rPr>
-              <a:t> and how do we </a:t>
-            </a:r>
-            <a:r>
-              <a:rPr lang="en-US" sz="2700" dirty="0">
-                <a:solidFill>
-                  <a:schemeClr val="accent6"/>
-                </a:solidFill>
-              </a:rPr>
-              <a:t>categorize</a:t>
-            </a:r>
-            <a:r>
-              <a:rPr lang="en-US" sz="2700" dirty="0">
-                <a:solidFill>
-                  <a:schemeClr val="bg2">
-                    <a:lumMod val="75000"/>
-                  </a:schemeClr>
-                </a:solidFill>
-              </a:rPr>
-              <a:t> them</a:t>
+              <a:t>From global to contextual to collective</a:t>
             </a:r>
           </a:p>
         </p:txBody>
@@ -16081,7 +16583,7 @@
     </p:spTree>
     <p:extLst>
       <p:ext uri="{BB962C8B-B14F-4D97-AF65-F5344CB8AC3E}">
-        <p14:creationId xmlns:p14="http://schemas.microsoft.com/office/powerpoint/2010/main" val="508096634"/>
+        <p14:creationId xmlns:p14="http://schemas.microsoft.com/office/powerpoint/2010/main" val="4235116615"/>
       </p:ext>
     </p:extLst>
   </p:cSld>
@@ -16158,8 +16660,8 @@
         </p:nvSpPr>
         <p:spPr bwMode="black">
           <a:xfrm>
-            <a:off x="838200" y="2011679"/>
-            <a:ext cx="9619211" cy="4171630"/>
+            <a:off x="942679" y="2011679"/>
+            <a:ext cx="6364224" cy="4171630"/>
           </a:xfrm>
           <a:prstGeom prst="rect">
             <a:avLst/>
@@ -16360,59 +16862,131 @@
           </a:lstStyle>
           <a:p>
             <a:r>
-              <a:rPr lang="en-US" sz="1800" b="1" dirty="0">
+              <a:rPr lang="en-US" b="1" dirty="0">
                 <a:solidFill>
                   <a:srgbClr val="FF0000"/>
                 </a:solidFill>
               </a:rPr>
-              <a:t>Network Operators: </a:t>
-            </a:r>
-            <a:r>
-              <a:rPr lang="en-US" sz="1800" dirty="0"/>
-              <a:t>Do you agree that today actions, traffic is dropped, path is withdrawn, interface is down are always exposed through Network Telemetry, but reason and cause, dropped due to unreachable next-hop, withdrawn due to peer down, interface down due to missing signal, are rarely and would be most interesting?</a:t>
-            </a:r>
-          </a:p>
-          <a:p>
-            <a:r>
-              <a:rPr lang="en-US" sz="1800" b="1" dirty="0">
+              <a:t>Action: </a:t>
+            </a:r>
+            <a:r>
+              <a:rPr lang="en-US" dirty="0"/>
+              <a:t>Which action the network node performed for a packet in the forwarding plane, a path or adjacency in the control plane or state or statistical changes in the management plane.</a:t>
+            </a:r>
+          </a:p>
+          <a:p>
+            <a:r>
+              <a:rPr lang="en-US" b="1" dirty="0">
                 <a:solidFill>
                   <a:srgbClr val="FF0000"/>
                 </a:solidFill>
               </a:rPr>
-              <a:t>Network Vendors: </a:t>
-            </a:r>
-            <a:r>
-              <a:rPr lang="en-US" sz="1800" dirty="0"/>
-              <a:t>Is the assumption correct that a network process, routing process withdrawing a path, most of the time knows why it acts that way, and could potential make this reason and cause information available?</a:t>
-            </a:r>
-          </a:p>
-          <a:p>
-            <a:r>
-              <a:rPr lang="en-US" sz="1800" b="1" dirty="0">
+              <a:t>Reason: </a:t>
+            </a:r>
+            <a:r>
+              <a:rPr lang="en-US" dirty="0"/>
+              <a:t>For each action one or more reasons describing why this action was used. From drop unreachable, administered, and corrupt in forwarding plane, to reachability withdraw and adjacency teared down in control plane, to Interface down, errors or discard in management plane.</a:t>
+            </a:r>
+          </a:p>
+          <a:p>
+            <a:r>
+              <a:rPr lang="en-US" b="1" dirty="0">
                 <a:solidFill>
                   <a:srgbClr val="FF0000"/>
                 </a:solidFill>
               </a:rPr>
-              <a:t>Academia: </a:t>
-            </a:r>
-            <a:r>
-              <a:rPr lang="en-US" sz="1800" dirty="0"/>
-              <a:t>Would it help if network operators would provide well defined labeled operational and analytical data to enable and validate their research?</a:t>
-            </a:r>
-          </a:p>
-          <a:p>
-            <a:r>
-              <a:rPr lang="en-US" sz="1800" b="1" dirty="0">
+              <a:t>Relation: </a:t>
+            </a:r>
+            <a:r>
+              <a:rPr lang="en-US" dirty="0"/>
+              <a:t>For each reason one or more relation describes the cause why the action was chosen. From missing next-hop and link-layer information in forwarding plane, to reachability withdrawn due to peer down or path no longer redistributed.</a:t>
+            </a:r>
+          </a:p>
+        </p:txBody>
+      </p:sp>
+      <p:sp>
+        <p:nvSpPr>
+          <p:cNvPr id="18" name="TextBox 17">
+            <a:extLst>
+              <a:ext uri="{FF2B5EF4-FFF2-40B4-BE49-F238E27FC236}">
+                <a16:creationId xmlns:a16="http://schemas.microsoft.com/office/drawing/2014/main" id="{B283EDB4-CFDF-D6B9-8AF9-9CFA563360E3}"/>
+              </a:ext>
+            </a:extLst>
+          </p:cNvPr>
+          <p:cNvSpPr txBox="1"/>
+          <p:nvPr/>
+        </p:nvSpPr>
+        <p:spPr>
+          <a:xfrm>
+            <a:off x="7589520" y="2365150"/>
+            <a:ext cx="4333008" cy="2400657"/>
+          </a:xfrm>
+          <a:prstGeom prst="rect">
+            <a:avLst/>
+          </a:prstGeom>
+          <a:noFill/>
+        </p:spPr>
+        <p:txBody>
+          <a:bodyPr wrap="square">
+            <a:spAutoFit/>
+          </a:bodyPr>
+          <a:lstStyle/>
+          <a:p>
+            <a:pPr algn="ctr"/>
+            <a:r>
+              <a:rPr lang="en-US" sz="3000" b="1" dirty="0">
+                <a:latin typeface="+mj-lt"/>
+              </a:rPr>
+              <a:t>« Symptoms are categorized in </a:t>
+            </a:r>
+            <a:r>
+              <a:rPr lang="en-US" sz="3000" b="1" dirty="0">
+                <a:solidFill>
+                  <a:schemeClr val="accent6"/>
+                </a:solidFill>
+                <a:latin typeface="+mj-lt"/>
+              </a:rPr>
+              <a:t>which plane</a:t>
+            </a:r>
+            <a:r>
+              <a:rPr lang="en-US" sz="3000" b="1" dirty="0">
+                <a:latin typeface="+mj-lt"/>
+              </a:rPr>
+              <a:t> they have been </a:t>
+            </a:r>
+            <a:r>
+              <a:rPr lang="en-US" sz="3000" b="1" dirty="0">
+                <a:solidFill>
+                  <a:schemeClr val="accent6"/>
+                </a:solidFill>
+                <a:latin typeface="+mj-lt"/>
+              </a:rPr>
+              <a:t>observed</a:t>
+            </a:r>
+            <a:r>
+              <a:rPr lang="en-US" sz="3000" b="1" dirty="0">
+                <a:latin typeface="+mj-lt"/>
+              </a:rPr>
+              <a:t>, their </a:t>
+            </a:r>
+            <a:r>
+              <a:rPr lang="en-US" sz="3000" b="1" dirty="0">
                 <a:solidFill>
                   <a:srgbClr val="FF0000"/>
                 </a:solidFill>
-              </a:rPr>
-              <a:t>Everybody: </a:t>
-            </a:r>
-            <a:r>
-              <a:rPr lang="en-US" sz="1800" dirty="0"/>
-              <a:t>Should these symptoms be clearly described and standardized for a common terminology so that operators, researchers and anomaly detection systems alike understand their meaning and learn and act accordingly?</a:t>
-            </a:r>
+                <a:latin typeface="+mj-lt"/>
+              </a:rPr>
+              <a:t>action, reason and cause </a:t>
+            </a:r>
+            <a:r>
+              <a:rPr lang="de-CH" sz="3000" b="1" dirty="0">
+                <a:latin typeface="+mj-lt"/>
+              </a:rPr>
+              <a:t>»</a:t>
+            </a:r>
+            <a:endParaRPr lang="en-US" sz="3000" b="1" dirty="0">
+              <a:latin typeface="+mj-lt"/>
+            </a:endParaRPr>
           </a:p>
         </p:txBody>
       </p:sp>
@@ -16446,7 +17020,7 @@
           <a:p>
             <a:r>
               <a:rPr lang="en-US" sz="2800" b="1" dirty="0"/>
-              <a:t>Semantic Metadata Annotation for Network Anomaly Detection</a:t>
+              <a:t>What is a symptom and how to categorize them</a:t>
             </a:r>
             <a:br>
               <a:rPr lang="en-US" sz="3600" dirty="0"/>
@@ -16459,15 +17033,7 @@
                   </a:schemeClr>
                 </a:solidFill>
               </a:rPr>
-              <a:t>Do you care? </a:t>
-            </a:r>
-            <a:r>
-              <a:rPr lang="en-US" sz="2700" dirty="0">
-                <a:solidFill>
-                  <a:srgbClr val="FF0000"/>
-                </a:solidFill>
-              </a:rPr>
-              <a:t>Questions to the audience</a:t>
+              <a:t>From action to reason to relation</a:t>
             </a:r>
           </a:p>
         </p:txBody>
@@ -16475,7 +17041,7 @@
     </p:spTree>
     <p:extLst>
       <p:ext uri="{BB962C8B-B14F-4D97-AF65-F5344CB8AC3E}">
-        <p14:creationId xmlns:p14="http://schemas.microsoft.com/office/powerpoint/2010/main" val="1609255611"/>
+        <p14:creationId xmlns:p14="http://schemas.microsoft.com/office/powerpoint/2010/main" val="508096634"/>
       </p:ext>
     </p:extLst>
   </p:cSld>
